--- a/pics/2019-08-09_Hilbert_Transform/pics.pptx
+++ b/pics/2019-08-09_Hilbert_Transform/pics.pptx
@@ -6,6 +6,7 @@
   </p:sldMasterIdLst>
   <p:sldIdLst>
     <p:sldId id="256" r:id="rId2"/>
+    <p:sldId id="257" r:id="rId3"/>
   </p:sldIdLst>
   <p:sldSz cx="12192000" cy="6858000"/>
   <p:notesSz cx="6858000" cy="9144000"/>
@@ -104,13 +105,18 @@
       </a:defRPr>
     </a:lvl9pPr>
   </p:defaultTextStyle>
+  <p:extLst>
+    <p:ext uri="{EFAFB233-063F-42B5-8137-9DF3F51BA10A}">
+      <p15:sldGuideLst xmlns:p15="http://schemas.microsoft.com/office/powerpoint/2012/main"/>
+    </p:ext>
+  </p:extLst>
 </p:presentation>
 </file>
 
 <file path=ppt/charts/chart1.xml><?xml version="1.0" encoding="utf-8"?>
 <c:chartSpace xmlns:c="http://schemas.openxmlformats.org/drawingml/2006/chart" xmlns:a="http://schemas.openxmlformats.org/drawingml/2006/main" xmlns:r="http://schemas.openxmlformats.org/officeDocument/2006/relationships" xmlns:c16r2="http://schemas.microsoft.com/office/drawing/2015/06/chart">
   <c:date1904 val="0"/>
-  <c:lang val="ko-KR"/>
+  <c:lang val="en-US"/>
   <c:roundedCorners val="0"/>
   <mc:AlternateContent xmlns:mc="http://schemas.openxmlformats.org/markup-compatibility/2006">
     <mc:Choice xmlns:c14="http://schemas.microsoft.com/office/drawing/2007/8/2/chart" Requires="c14">
@@ -2122,7 +2128,7 @@
       <a:pPr>
         <a:defRPr/>
       </a:pPr>
-      <a:endParaRPr lang="ko-KR"/>
+      <a:endParaRPr lang="en-US"/>
     </a:p>
   </c:txPr>
   <c:externalData r:id="rId3">
@@ -2134,7 +2140,7 @@
 <file path=ppt/charts/chart2.xml><?xml version="1.0" encoding="utf-8"?>
 <c:chartSpace xmlns:c="http://schemas.openxmlformats.org/drawingml/2006/chart" xmlns:a="http://schemas.openxmlformats.org/drawingml/2006/main" xmlns:r="http://schemas.openxmlformats.org/officeDocument/2006/relationships" xmlns:c16r2="http://schemas.microsoft.com/office/drawing/2015/06/chart">
   <c:date1904 val="0"/>
-  <c:lang val="ko-KR"/>
+  <c:lang val="en-US"/>
   <c:roundedCorners val="0"/>
   <mc:AlternateContent xmlns:mc="http://schemas.openxmlformats.org/markup-compatibility/2006">
     <mc:Choice xmlns:c14="http://schemas.microsoft.com/office/drawing/2007/8/2/chart" Requires="c14">
@@ -4146,7 +4152,4055 @@
       <a:pPr>
         <a:defRPr/>
       </a:pPr>
-      <a:endParaRPr lang="ko-KR"/>
+      <a:endParaRPr lang="en-US"/>
+    </a:p>
+  </c:txPr>
+  <c:externalData r:id="rId3">
+    <c:autoUpdate val="0"/>
+  </c:externalData>
+</c:chartSpace>
+</file>
+
+<file path=ppt/charts/chart3.xml><?xml version="1.0" encoding="utf-8"?>
+<c:chartSpace xmlns:c="http://schemas.openxmlformats.org/drawingml/2006/chart" xmlns:a="http://schemas.openxmlformats.org/drawingml/2006/main" xmlns:r="http://schemas.openxmlformats.org/officeDocument/2006/relationships" xmlns:c16r2="http://schemas.microsoft.com/office/drawing/2015/06/chart">
+  <c:date1904 val="0"/>
+  <c:lang val="en-US"/>
+  <c:roundedCorners val="0"/>
+  <mc:AlternateContent xmlns:mc="http://schemas.openxmlformats.org/markup-compatibility/2006">
+    <mc:Choice xmlns:c14="http://schemas.microsoft.com/office/drawing/2007/8/2/chart" Requires="c14">
+      <c14:style val="102"/>
+    </mc:Choice>
+    <mc:Fallback>
+      <c:style val="2"/>
+    </mc:Fallback>
+  </mc:AlternateContent>
+  <c:chart>
+    <c:autoTitleDeleted val="1"/>
+    <c:plotArea>
+      <c:layout/>
+      <c:lineChart>
+        <c:grouping val="standard"/>
+        <c:varyColors val="0"/>
+        <c:ser>
+          <c:idx val="0"/>
+          <c:order val="0"/>
+          <c:spPr>
+            <a:ln w="28575" cap="rnd">
+              <a:solidFill>
+                <a:schemeClr val="accent1"/>
+              </a:solidFill>
+              <a:round/>
+            </a:ln>
+            <a:effectLst/>
+          </c:spPr>
+          <c:marker>
+            <c:symbol val="none"/>
+          </c:marker>
+          <c:val>
+            <c:numRef>
+              <c:f>Sheet1!$A$2:$XE$2</c:f>
+              <c:numCache>
+                <c:formatCode>General</c:formatCode>
+                <c:ptCount val="629"/>
+                <c:pt idx="0">
+                  <c:v>200</c:v>
+                </c:pt>
+                <c:pt idx="1">
+                  <c:v>199.99500004166651</c:v>
+                </c:pt>
+                <c:pt idx="2">
+                  <c:v>199.98000066665776</c:v>
+                </c:pt>
+                <c:pt idx="3">
+                  <c:v>199.95500337489875</c:v>
+                </c:pt>
+                <c:pt idx="4">
+                  <c:v>199.9200106660978</c:v>
+                </c:pt>
+                <c:pt idx="5">
+                  <c:v>199.87502603949662</c:v>
+                </c:pt>
+                <c:pt idx="6">
+                  <c:v>199.82005399352042</c:v>
+                </c:pt>
+                <c:pt idx="7">
+                  <c:v>199.75510002532798</c:v>
+                </c:pt>
+                <c:pt idx="8">
+                  <c:v>199.68017063026196</c:v>
+                </c:pt>
+                <c:pt idx="9">
+                  <c:v>199.59527330119943</c:v>
+                </c:pt>
+                <c:pt idx="10">
+                  <c:v>199.5004165278026</c:v>
+                </c:pt>
+                <c:pt idx="11">
+                  <c:v>199.39560979566969</c:v>
+                </c:pt>
+                <c:pt idx="12">
+                  <c:v>199.28086358538661</c:v>
+                </c:pt>
+                <c:pt idx="13">
+                  <c:v>199.1561893714788</c:v>
+                </c:pt>
+                <c:pt idx="14">
+                  <c:v>199.0215996212637</c:v>
+                </c:pt>
+                <c:pt idx="15">
+                  <c:v>198.87710779360424</c:v>
+                </c:pt>
+                <c:pt idx="16">
+                  <c:v>198.7227283375627</c:v>
+                </c:pt>
+                <c:pt idx="17">
+                  <c:v>198.55847669095607</c:v>
+                </c:pt>
+                <c:pt idx="18">
+                  <c:v>198.38436927881213</c:v>
+                </c:pt>
+                <c:pt idx="19">
+                  <c:v>198.20042351172702</c:v>
+                </c:pt>
+                <c:pt idx="20">
+                  <c:v>198.00665778412417</c:v>
+                </c:pt>
+                <c:pt idx="21">
+                  <c:v>197.80309147241482</c:v>
+                </c:pt>
+                <c:pt idx="22">
+                  <c:v>197.58974493306056</c:v>
+                </c:pt>
+                <c:pt idx="23">
+                  <c:v>197.36663950053747</c:v>
+                </c:pt>
+                <c:pt idx="24">
+                  <c:v>197.13379748520296</c:v>
+                </c:pt>
+                <c:pt idx="25">
+                  <c:v>196.89124217106448</c:v>
+                </c:pt>
+                <c:pt idx="26">
+                  <c:v>196.63899781345134</c:v>
+                </c:pt>
+                <c:pt idx="27">
+                  <c:v>196.37708963658906</c:v>
+                </c:pt>
+                <c:pt idx="28">
+                  <c:v>196.10554383107709</c:v>
+                </c:pt>
+                <c:pt idx="29">
+                  <c:v>195.82438755126972</c:v>
+                </c:pt>
+                <c:pt idx="30">
+                  <c:v>195.53364891256058</c:v>
+                </c:pt>
+                <c:pt idx="31">
+                  <c:v>195.23335698857136</c:v>
+                </c:pt>
+                <c:pt idx="32">
+                  <c:v>194.92354180824407</c:v>
+                </c:pt>
+                <c:pt idx="33">
+                  <c:v>194.60423435283872</c:v>
+                </c:pt>
+                <c:pt idx="34">
+                  <c:v>194.27546655283462</c:v>
+                </c:pt>
+                <c:pt idx="35">
+                  <c:v>193.9372712847379</c:v>
+                </c:pt>
+                <c:pt idx="36">
+                  <c:v>193.5896823677935</c:v>
+                </c:pt>
+                <c:pt idx="37">
+                  <c:v>193.23273456060343</c:v>
+                </c:pt>
+                <c:pt idx="38">
+                  <c:v>192.86646355765103</c:v>
+                </c:pt>
+                <c:pt idx="39">
+                  <c:v>192.4909059857313</c:v>
+                </c:pt>
+                <c:pt idx="40">
+                  <c:v>192.10609940028851</c:v>
+                </c:pt>
+                <c:pt idx="41">
+                  <c:v>191.71208228166051</c:v>
+                </c:pt>
+                <c:pt idx="42">
+                  <c:v>191.30889403123081</c:v>
+                </c:pt>
+                <c:pt idx="43">
+                  <c:v>190.8965749674885</c:v>
+                </c:pt>
+                <c:pt idx="44">
+                  <c:v>190.47516632199634</c:v>
+                </c:pt>
+                <c:pt idx="45">
+                  <c:v>190.0447102352677</c:v>
+                </c:pt>
+                <c:pt idx="46">
+                  <c:v>189.60524975255254</c:v>
+                </c:pt>
+                <c:pt idx="47">
+                  <c:v>189.1568288195329</c:v>
+                </c:pt>
+                <c:pt idx="48">
+                  <c:v>188.69949227792841</c:v>
+                </c:pt>
+                <c:pt idx="49">
+                  <c:v>188.23328586101215</c:v>
+                </c:pt>
+                <c:pt idx="50">
+                  <c:v>187.75825618903727</c:v>
+                </c:pt>
+                <c:pt idx="51">
+                  <c:v>187.27445076457514</c:v>
+                </c:pt>
+                <c:pt idx="52">
+                  <c:v>186.78191796776497</c:v>
+                </c:pt>
+                <c:pt idx="53">
+                  <c:v>186.2807070514761</c:v>
+                </c:pt>
+                <c:pt idx="54">
+                  <c:v>185.77086813638243</c:v>
+                </c:pt>
+                <c:pt idx="55">
+                  <c:v>185.25245220595056</c:v>
+                </c:pt>
+                <c:pt idx="56">
+                  <c:v>184.72551110134162</c:v>
+                </c:pt>
+                <c:pt idx="57">
+                  <c:v>184.1900975162269</c:v>
+                </c:pt>
+                <c:pt idx="58">
+                  <c:v>183.64626499151871</c:v>
+                </c:pt>
+                <c:pt idx="59">
+                  <c:v>183.09406791001635</c:v>
+                </c:pt>
+                <c:pt idx="60">
+                  <c:v>182.53356149096783</c:v>
+                </c:pt>
+                <c:pt idx="61">
+                  <c:v>181.96480178454794</c:v>
+                </c:pt>
+                <c:pt idx="62">
+                  <c:v>181.38784566625338</c:v>
+                </c:pt>
+                <c:pt idx="63">
+                  <c:v>180.80275083121518</c:v>
+                </c:pt>
+                <c:pt idx="64">
+                  <c:v>180.20957578842928</c:v>
+                </c:pt>
+                <c:pt idx="65">
+                  <c:v>179.60837985490559</c:v>
+                </c:pt>
+                <c:pt idx="66">
+                  <c:v>178.99922314973651</c:v>
+                </c:pt>
+                <c:pt idx="67">
+                  <c:v>178.38216658808494</c:v>
+                </c:pt>
+                <c:pt idx="68">
+                  <c:v>177.75727187509278</c:v>
+                </c:pt>
+                <c:pt idx="69">
+                  <c:v>177.12460149971065</c:v>
+                </c:pt>
+                <c:pt idx="70">
+                  <c:v>176.48421872844887</c:v>
+                </c:pt>
+                <c:pt idx="71">
+                  <c:v>175.83618759905082</c:v>
+                </c:pt>
+                <c:pt idx="72">
+                  <c:v>175.18057291408951</c:v>
+                </c:pt>
+                <c:pt idx="73">
+                  <c:v>174.51744023448703</c:v>
+                </c:pt>
+                <c:pt idx="74">
+                  <c:v>173.8468558729588</c:v>
+                </c:pt>
+                <c:pt idx="75">
+                  <c:v>173.16888688738209</c:v>
+                </c:pt>
+                <c:pt idx="76">
+                  <c:v>172.48360107409053</c:v>
+                </c:pt>
+                <c:pt idx="77">
+                  <c:v>171.79106696109432</c:v>
+                </c:pt>
+                <c:pt idx="78">
+                  <c:v>171.09135380122774</c:v>
+                </c:pt>
+                <c:pt idx="79">
+                  <c:v>170.3845315652236</c:v>
+                </c:pt>
+                <c:pt idx="80">
+                  <c:v>169.67067093471655</c:v>
+                </c:pt>
+                <c:pt idx="81">
+                  <c:v>168.9498432951747</c:v>
+                </c:pt>
+                <c:pt idx="82">
+                  <c:v>168.22212072876135</c:v>
+                </c:pt>
+                <c:pt idx="83">
+                  <c:v>167.48757600712673</c:v>
+                </c:pt>
+                <c:pt idx="84">
+                  <c:v>166.74628258413082</c:v>
+                </c:pt>
+                <c:pt idx="85">
+                  <c:v>165.9983145884982</c:v>
+                </c:pt>
+                <c:pt idx="86">
+                  <c:v>165.24374681640518</c:v>
+                </c:pt>
+                <c:pt idx="87">
+                  <c:v>164.48265472400013</c:v>
+                </c:pt>
+                <c:pt idx="88">
+                  <c:v>163.71511441985803</c:v>
+                </c:pt>
+                <c:pt idx="89">
+                  <c:v>162.94120265736967</c:v>
+                </c:pt>
+                <c:pt idx="90">
+                  <c:v>162.16099682706644</c:v>
+                </c:pt>
+                <c:pt idx="91">
+                  <c:v>161.37457494888116</c:v>
+                </c:pt>
+                <c:pt idx="92">
+                  <c:v>160.58201566434627</c:v>
+                </c:pt>
+                <c:pt idx="93">
+                  <c:v>159.78339822872982</c:v>
+                </c:pt>
+                <c:pt idx="94">
+                  <c:v>158.97880250310982</c:v>
+                </c:pt>
+                <c:pt idx="95">
+                  <c:v>158.16830894638835</c:v>
+                </c:pt>
+                <c:pt idx="96">
+                  <c:v>157.35199860724566</c:v>
+                </c:pt>
+                <c:pt idx="97">
+                  <c:v>156.52995311603544</c:v>
+                </c:pt>
+                <c:pt idx="98">
+                  <c:v>155.70225467662175</c:v>
+                </c:pt>
+                <c:pt idx="99">
+                  <c:v>154.86898605815875</c:v>
+                </c:pt>
+                <c:pt idx="100">
+                  <c:v>154.03023058681399</c:v>
+                </c:pt>
+                <c:pt idx="101">
+                  <c:v>153.18607213743553</c:v>
+                </c:pt>
+                <c:pt idx="102">
+                  <c:v>152.33659512516496</c:v>
+                </c:pt>
+                <c:pt idx="103">
+                  <c:v>151.48188449699552</c:v>
+                </c:pt>
+                <c:pt idx="104">
+                  <c:v>150.62202572327783</c:v>
+                </c:pt>
+                <c:pt idx="105">
+                  <c:v>149.7571047891727</c:v>
+                </c:pt>
+                <c:pt idx="106">
+                  <c:v>148.88720818605276</c:v>
+                </c:pt>
+                <c:pt idx="107">
+                  <c:v>148.01242290285342</c:v>
+                </c:pt>
+                <c:pt idx="108">
+                  <c:v>147.13283641737399</c:v>
+                </c:pt>
+                <c:pt idx="109">
+                  <c:v>146.24853668753008</c:v>
+                </c:pt>
+                <c:pt idx="110">
+                  <c:v>145.35961214255772</c:v>
+                </c:pt>
+                <c:pt idx="111">
+                  <c:v>144.46615167417067</c:v>
+                </c:pt>
+                <c:pt idx="112">
+                  <c:v>143.56824462767122</c:v>
+                </c:pt>
+                <c:pt idx="113">
+                  <c:v>142.66598079301573</c:v>
+                </c:pt>
+                <c:pt idx="114">
+                  <c:v>141.75945039583581</c:v>
+                </c:pt>
+                <c:pt idx="115">
+                  <c:v>140.84874408841574</c:v>
+                </c:pt>
+                <c:pt idx="116">
+                  <c:v>139.93395294062731</c:v>
+                </c:pt>
+                <c:pt idx="117">
+                  <c:v>139.01516843082302</c:v>
+                </c:pt>
+                <c:pt idx="118">
+                  <c:v>138.09248243668819</c:v>
+                </c:pt>
+                <c:pt idx="119">
+                  <c:v>137.16598722605329</c:v>
+                </c:pt>
+                <c:pt idx="120">
+                  <c:v>136.23577544766738</c:v>
+                </c:pt>
+                <c:pt idx="121">
+                  <c:v>135.30194012193306</c:v>
+                </c:pt>
+                <c:pt idx="122">
+                  <c:v>134.36457463160471</c:v>
+                </c:pt>
+                <c:pt idx="123">
+                  <c:v>133.42377271245027</c:v>
+                </c:pt>
+                <c:pt idx="124">
+                  <c:v>132.47962844387763</c:v>
+                </c:pt>
+                <c:pt idx="125">
+                  <c:v>131.53223623952687</c:v>
+                </c:pt>
+                <c:pt idx="126">
+                  <c:v>130.58169083782894</c:v>
+                </c:pt>
+                <c:pt idx="127">
+                  <c:v>129.62808729253186</c:v>
+                </c:pt>
+                <c:pt idx="128">
+                  <c:v>128.67152096319555</c:v>
+                </c:pt>
+                <c:pt idx="129">
+                  <c:v>127.71208750565576</c:v>
+                </c:pt>
+                <c:pt idx="130">
+                  <c:v>126.74988286245873</c:v>
+                </c:pt>
+                <c:pt idx="131">
+                  <c:v>125.78500325326696</c:v>
+                </c:pt>
+                <c:pt idx="132">
+                  <c:v>124.81754516523729</c:v>
+                </c:pt>
+                <c:pt idx="133">
+                  <c:v>123.84760534337232</c:v>
+                </c:pt>
+                <c:pt idx="134">
+                  <c:v>122.87528078084594</c:v>
+                </c:pt>
+                <c:pt idx="135">
+                  <c:v>121.90066870930414</c:v>
+                </c:pt>
+                <c:pt idx="136">
+                  <c:v>120.92386658914192</c:v>
+                </c:pt>
+                <c:pt idx="137">
+                  <c:v>119.94497209975728</c:v>
+                </c:pt>
+                <c:pt idx="138">
+                  <c:v>118.96408312978345</c:v>
+                </c:pt>
+                <c:pt idx="139">
+                  <c:v>117.98129776729996</c:v>
+                </c:pt>
+                <c:pt idx="140">
+                  <c:v>116.9967142900241</c:v>
+                </c:pt>
+                <c:pt idx="141">
+                  <c:v>116.01043115548313</c:v>
+                </c:pt>
+                <c:pt idx="142">
+                  <c:v>115.02254699116858</c:v>
+                </c:pt>
+                <c:pt idx="143">
+                  <c:v>114.03316058467368</c:v>
+                </c:pt>
+                <c:pt idx="144">
+                  <c:v>113.04237087381455</c:v>
+                </c:pt>
+                <c:pt idx="145">
+                  <c:v>112.05027693673667</c:v>
+                </c:pt>
+                <c:pt idx="146">
+                  <c:v>111.05697798200696</c:v>
+                </c:pt>
+                <c:pt idx="147">
+                  <c:v>110.06257333869317</c:v>
+                </c:pt>
+                <c:pt idx="148">
+                  <c:v>109.06716244643097</c:v>
+                </c:pt>
+                <c:pt idx="149">
+                  <c:v>108.07084484548007</c:v>
+                </c:pt>
+                <c:pt idx="150">
+                  <c:v>107.07372016677029</c:v>
+                </c:pt>
+                <c:pt idx="151">
+                  <c:v>106.07588812193859</c:v>
+                </c:pt>
+                <c:pt idx="152">
+                  <c:v>105.07744849335792</c:v>
+                </c:pt>
+                <c:pt idx="153">
+                  <c:v>104.0785011241591</c:v>
+                </c:pt>
+                <c:pt idx="154">
+                  <c:v>103.07914590824662</c:v>
+                </c:pt>
+                <c:pt idx="155">
+                  <c:v>102.07948278030925</c:v>
+                </c:pt>
+                <c:pt idx="156">
+                  <c:v>101.07961170582674</c:v>
+                </c:pt>
+                <c:pt idx="157">
+                  <c:v>100.07963267107333</c:v>
+                </c:pt>
+                <c:pt idx="158">
+                  <c:v>99.07964567311916</c:v>
+                </c:pt>
+                <c:pt idx="159">
+                  <c:v>98.079750709830734</c:v>
+                </c:pt>
+                <c:pt idx="160">
+                  <c:v>97.080047769871115</c:v>
+                </c:pt>
+                <c:pt idx="161">
+                  <c:v>96.080636822701223</c:v>
+                </c:pt>
+                <c:pt idx="162">
+                  <c:v>95.081617808582948</c:v>
+                </c:pt>
+                <c:pt idx="163">
+                  <c:v>94.083090628585182</c:v>
+                </c:pt>
+                <c:pt idx="164">
+                  <c:v>93.085155134593805</c:v>
+                </c:pt>
+                <c:pt idx="165">
+                  <c:v>92.08791111932662</c:v>
+                </c:pt>
+                <c:pt idx="166">
+                  <c:v>91.091458306354099</c:v>
+                </c:pt>
+                <c:pt idx="167">
+                  <c:v>90.095896340127197</c:v>
+                </c:pt>
+                <c:pt idx="168">
+                  <c:v>89.101324776012888</c:v>
+                </c:pt>
+                <c:pt idx="169">
+                  <c:v>88.107843070338774</c:v>
+                </c:pt>
+                <c:pt idx="170">
+                  <c:v>87.115550570447539</c:v>
+                </c:pt>
+                <c:pt idx="171">
+                  <c:v>86.12454650476225</c:v>
+                </c:pt>
+                <c:pt idx="172">
+                  <c:v>85.134929972863631</c:v>
+                </c:pt>
+                <c:pt idx="173">
+                  <c:v>84.146799935580219</c:v>
+                </c:pt>
+                <c:pt idx="174">
+                  <c:v>83.160255205092298</c:v>
+                </c:pt>
+                <c:pt idx="175">
+                  <c:v>82.175394435050791</c:v>
+                </c:pt>
+                <c:pt idx="176">
+                  <c:v>81.192316110711985</c:v>
+                </c:pt>
+                <c:pt idx="177">
+                  <c:v>80.211118539089099</c:v>
+                </c:pt>
+                <c:pt idx="178">
+                  <c:v>79.231899839121624</c:v>
+                </c:pt>
+                <c:pt idx="179">
+                  <c:v>78.254757931863537</c:v>
+                </c:pt>
+                <c:pt idx="180">
+                  <c:v>77.279790530691287</c:v>
+                </c:pt>
+                <c:pt idx="181">
+                  <c:v>76.307095131532535</c:v>
+                </c:pt>
+                <c:pt idx="182">
+                  <c:v>75.336769003116601</c:v>
+                </c:pt>
+                <c:pt idx="183">
+                  <c:v>74.36890917724773</c:v>
+                </c:pt>
+                <c:pt idx="184">
+                  <c:v>73.403612439101963</c:v>
+                </c:pt>
+                <c:pt idx="185">
+                  <c:v>72.440975317548705</c:v>
+                </c:pt>
+                <c:pt idx="186">
+                  <c:v>71.481094075497907</c:v>
+                </c:pt>
+                <c:pt idx="187">
+                  <c:v>70.524064700273897</c:v>
+                </c:pt>
+                <c:pt idx="188">
+                  <c:v>69.569982894016675</c:v>
+                </c:pt>
+                <c:pt idx="189">
+                  <c:v>68.618944064111773</c:v>
+                </c:pt>
+                <c:pt idx="190">
+                  <c:v>67.671043313649662</c:v>
+                </c:pt>
+                <c:pt idx="191">
+                  <c:v>66.726375431915486</c:v>
+                </c:pt>
+                <c:pt idx="192">
+                  <c:v>65.785034884910175</c:v>
+                </c:pt>
+                <c:pt idx="193">
+                  <c:v>64.847115805904025</c:v>
+                </c:pt>
+                <c:pt idx="194">
+                  <c:v>63.912711986023282</c:v>
+                </c:pt>
+                <c:pt idx="195">
+                  <c:v>62.981916864871309</c:v>
+                </c:pt>
+                <c:pt idx="196">
+                  <c:v>62.054823521184552</c:v>
+                </c:pt>
+                <c:pt idx="197">
+                  <c:v>61.1315246635248</c:v>
+                </c:pt>
+                <c:pt idx="198">
+                  <c:v>60.212112621008401</c:v>
+                </c:pt>
+                <c:pt idx="199">
+                  <c:v>59.296679334073445</c:v>
+                </c:pt>
+                <c:pt idx="200">
+                  <c:v>58.385316345285759</c:v>
+                </c:pt>
+                <c:pt idx="201">
+                  <c:v>57.478114790184783</c:v>
+                </c:pt>
+                <c:pt idx="202">
+                  <c:v>56.57516538816995</c:v>
+                </c:pt>
+                <c:pt idx="203">
+                  <c:v>55.676558433429108</c:v>
+                </c:pt>
+                <c:pt idx="204">
+                  <c:v>54.782383785908806</c:v>
+                </c:pt>
+                <c:pt idx="205">
+                  <c:v>53.892730862328726</c:v>
+                </c:pt>
+                <c:pt idx="206">
+                  <c:v>53.00768862723978</c:v>
+                </c:pt>
+                <c:pt idx="207">
+                  <c:v>52.127345584128022</c:v>
+                </c:pt>
+                <c:pt idx="208">
+                  <c:v>51.251789766564059</c:v>
+                </c:pt>
+                <c:pt idx="209">
+                  <c:v>50.381108729400111</c:v>
+                </c:pt>
+                <c:pt idx="210">
+                  <c:v>49.51538954001424</c:v>
+                </c:pt>
+                <c:pt idx="211">
+                  <c:v>48.654718769604052</c:v>
+                </c:pt>
+                <c:pt idx="212">
+                  <c:v>47.799182484529268</c:v>
+                </c:pt>
+                <c:pt idx="213">
+                  <c:v>46.948866237705523</c:v>
+                </c:pt>
+                <c:pt idx="214">
+                  <c:v>46.103855060048851</c:v>
+                </c:pt>
+                <c:pt idx="215">
+                  <c:v>45.264233451972899</c:v>
+                </c:pt>
+                <c:pt idx="216">
+                  <c:v>44.430085374938734</c:v>
+                </c:pt>
+                <c:pt idx="217">
+                  <c:v>43.601494243058994</c:v>
+                </c:pt>
+                <c:pt idx="218">
+                  <c:v>42.778542914756315</c:v>
+                </c:pt>
+                <c:pt idx="219">
+                  <c:v>41.961313684477808</c:v>
+                </c:pt>
+                <c:pt idx="220">
+                  <c:v>41.149888274465418</c:v>
+                </c:pt>
+                <c:pt idx="221">
+                  <c:v>40.344347826584013</c:v>
+                </c:pt>
+                <c:pt idx="222">
+                  <c:v>39.544772894207036</c:v>
+                </c:pt>
+                <c:pt idx="223">
+                  <c:v>38.751243434161488</c:v>
+                </c:pt>
+                <c:pt idx="224">
+                  <c:v>37.96383879873202</c:v>
+                </c:pt>
+                <c:pt idx="225">
+                  <c:v>37.182637727726089</c:v>
+                </c:pt>
+                <c:pt idx="226">
+                  <c:v>36.407718340599757</c:v>
+                </c:pt>
+                <c:pt idx="227">
+                  <c:v>35.639158128645946</c:v>
+                </c:pt>
+                <c:pt idx="228">
+                  <c:v>34.877033947245451</c:v>
+                </c:pt>
+                <c:pt idx="229">
+                  <c:v>34.121422008181227</c:v>
+                </c:pt>
+                <c:pt idx="230">
+                  <c:v>33.372397872017586</c:v>
+                </c:pt>
+                <c:pt idx="231">
+                  <c:v>32.630036440543904</c:v>
+                </c:pt>
+                <c:pt idx="232">
+                  <c:v>31.894411949284745</c:v>
+                </c:pt>
+                <c:pt idx="233">
+                  <c:v>31.16559796007617</c:v>
+                </c:pt>
+                <c:pt idx="234">
+                  <c:v>30.443667353709785</c:v>
+                </c:pt>
+                <c:pt idx="235">
+                  <c:v>29.728692322644605</c:v>
+                </c:pt>
+                <c:pt idx="236">
+                  <c:v>29.020744363787955</c:v>
+                </c:pt>
+                <c:pt idx="237">
+                  <c:v>28.319894271345717</c:v>
+                </c:pt>
+                <c:pt idx="238">
+                  <c:v>27.626212129743138</c:v>
+                </c:pt>
+                <c:pt idx="239">
+                  <c:v>26.939767306616275</c:v>
+                </c:pt>
+                <c:pt idx="240">
+                  <c:v>26.260628445875454</c:v>
+                </c:pt>
+                <c:pt idx="241">
+                  <c:v>25.588863460840756</c:v>
+                </c:pt>
+                <c:pt idx="242">
+                  <c:v>24.924539527450904</c:v>
+                </c:pt>
+                <c:pt idx="243">
+                  <c:v>24.267723077545625</c:v>
+                </c:pt>
+                <c:pt idx="244">
+                  <c:v>23.618479792222587</c:v>
+                </c:pt>
+                <c:pt idx="245">
+                  <c:v>22.976874595269265</c:v>
+                </c:pt>
+                <c:pt idx="246">
+                  <c:v>22.342971646670691</c:v>
+                </c:pt>
+                <c:pt idx="247">
+                  <c:v>21.716834336193472</c:v>
+                </c:pt>
+                <c:pt idx="248">
+                  <c:v>21.098525277046889</c:v>
+                </c:pt>
+                <c:pt idx="249">
+                  <c:v>20.488106299621563</c:v>
+                </c:pt>
+                <c:pt idx="250">
+                  <c:v>19.885638445306625</c:v>
+                </c:pt>
+                <c:pt idx="251">
+                  <c:v>19.291181960385401</c:v>
+                </c:pt>
+                <c:pt idx="252">
+                  <c:v>18.704796290011004</c:v>
+                </c:pt>
+                <c:pt idx="253">
+                  <c:v>18.126540072261847</c:v>
+                </c:pt>
+                <c:pt idx="254">
+                  <c:v>17.556471132277778</c:v>
+                </c:pt>
+                <c:pt idx="255">
+                  <c:v>16.994646476477797</c:v>
+                </c:pt>
+                <c:pt idx="256">
+                  <c:v>16.44112228685924</c:v>
+                </c:pt>
+                <c:pt idx="257">
+                  <c:v>15.895953915379863</c:v>
+                </c:pt>
+                <c:pt idx="258">
+                  <c:v>15.35919587842244</c:v>
+                </c:pt>
+                <c:pt idx="259">
+                  <c:v>14.830901851343441</c:v>
+                </c:pt>
+                <c:pt idx="260">
+                  <c:v>14.311124663105261</c:v>
+                </c:pt>
+                <c:pt idx="261">
+                  <c:v>13.79991629099365</c:v>
+                </c:pt>
+                <c:pt idx="262">
+                  <c:v>13.297327855419766</c:v>
+                </c:pt>
+                <c:pt idx="263">
+                  <c:v>12.803409614808345</c:v>
+                </c:pt>
+                <c:pt idx="264">
+                  <c:v>12.318210960571847</c:v>
+                </c:pt>
+                <c:pt idx="265">
+                  <c:v>11.841780412171403</c:v>
+                </c:pt>
+                <c:pt idx="266">
+                  <c:v>11.374165612264804</c:v>
+                </c:pt>
+                <c:pt idx="267">
+                  <c:v>10.915413321942353</c:v>
+                </c:pt>
+                <c:pt idx="268">
+                  <c:v>10.465569416050784</c:v>
+                </c:pt>
+                <c:pt idx="269">
+                  <c:v>10.024678878605869</c:v>
+                </c:pt>
+                <c:pt idx="270">
+                  <c:v>9.5927857982938747</c:v>
+                </c:pt>
+                <c:pt idx="271">
+                  <c:v>9.1699333640629845</c:v>
+                </c:pt>
+                <c:pt idx="272">
+                  <c:v>8.7561638608042074</c:v>
+                </c:pt>
+                <c:pt idx="273">
+                  <c:v>8.3515186651230664</c:v>
+                </c:pt>
+                <c:pt idx="274">
+                  <c:v>7.9560382412019379</c:v>
+                </c:pt>
+                <c:pt idx="275">
+                  <c:v>7.5697621367536385</c:v>
+                </c:pt>
+                <c:pt idx="276">
+                  <c:v>7.192728979066743</c:v>
+                </c:pt>
+                <c:pt idx="277">
+                  <c:v>6.82497647114279</c:v>
+                </c:pt>
+                <c:pt idx="278">
+                  <c:v>6.466541387926128</c:v>
+                </c:pt>
+                <c:pt idx="279">
+                  <c:v>6.1174595726263874</c:v>
+                </c:pt>
+                <c:pt idx="280">
+                  <c:v>5.7777659331341908</c:v>
+                </c:pt>
+                <c:pt idx="281">
+                  <c:v>5.4474944385304127</c:v>
+                </c:pt>
+                <c:pt idx="282">
+                  <c:v>5.1266781156893018</c:v>
+                </c:pt>
+                <c:pt idx="283">
+                  <c:v>4.8153490459757649</c:v>
+                </c:pt>
+                <c:pt idx="284">
+                  <c:v>4.5135383620373659</c:v>
+                </c:pt>
+                <c:pt idx="285">
+                  <c:v>4.2212762446909693</c:v>
+                </c:pt>
+                <c:pt idx="286">
+                  <c:v>3.9385919199047805</c:v>
+                </c:pt>
+                <c:pt idx="287">
+                  <c:v>3.6655136558756709</c:v>
+                </c:pt>
+                <c:pt idx="288">
+                  <c:v>3.4020687602025248</c:v>
+                </c:pt>
+                <c:pt idx="289">
+                  <c:v>3.1482835771553397</c:v>
+                </c:pt>
+                <c:pt idx="290">
+                  <c:v>2.9041834850409458</c:v>
+                </c:pt>
+                <c:pt idx="291">
+                  <c:v>2.6697928936651323</c:v>
+                </c:pt>
+                <c:pt idx="292">
+                  <c:v>2.4451352418917338</c:v>
+                </c:pt>
+                <c:pt idx="293">
+                  <c:v>2.2302329952986781</c:v>
+                </c:pt>
+                <c:pt idx="294">
+                  <c:v>2.0251076439315767</c:v>
+                </c:pt>
+                <c:pt idx="295">
+                  <c:v>1.8297797001545888</c:v>
+                </c:pt>
+                <c:pt idx="296">
+                  <c:v>1.6442686965993545</c:v>
+                </c:pt>
+                <c:pt idx="297">
+                  <c:v>1.4685931842116133</c:v>
+                </c:pt>
+                <c:pt idx="298">
+                  <c:v>1.3027707303962472</c:v>
+                </c:pt>
+                <c:pt idx="299">
+                  <c:v>1.1468179172604067</c:v>
+                </c:pt>
+                <c:pt idx="300">
+                  <c:v>1.0007503399554594</c:v>
+                </c:pt>
+                <c:pt idx="301">
+                  <c:v>0.86458260511741969</c:v>
+                </c:pt>
+                <c:pt idx="302">
+                  <c:v>0.73832832940628634</c:v>
+                </c:pt>
+                <c:pt idx="303">
+                  <c:v>0.62200013814444333</c:v>
+                </c:pt>
+                <c:pt idx="304">
+                  <c:v>0.51560966405405395</c:v>
+                </c:pt>
+                <c:pt idx="305">
+                  <c:v>0.41916754609387397</c:v>
+                </c:pt>
+                <c:pt idx="306">
+                  <c:v>0.33268342839534171</c:v>
+                </c:pt>
+                <c:pt idx="307">
+                  <c:v>0.25616595929814423</c:v>
+                </c:pt>
+                <c:pt idx="308">
+                  <c:v>0.18962279048542996</c:v>
+                </c:pt>
+                <c:pt idx="309">
+                  <c:v>0.13306057621863943</c:v>
+                </c:pt>
+                <c:pt idx="310">
+                  <c:v>8.6484972672053573E-2</c:v>
+                </c:pt>
+                <c:pt idx="311">
+                  <c:v>4.990063736721595E-2</c:v>
+                </c:pt>
+                <c:pt idx="312">
+                  <c:v>2.3311228707171949E-2</c:v>
+                </c:pt>
+                <c:pt idx="313">
+                  <c:v>6.7194056106103517E-3</c:v>
+                </c:pt>
+                <c:pt idx="314">
+                  <c:v>1.2682724604928808E-4</c:v>
+                </c:pt>
+                <c:pt idx="315">
+                  <c:v>3.5341528657966137E-3</c:v>
+                </c:pt>
+                <c:pt idx="316">
+                  <c:v>1.6941041740167861E-2</c:v>
+                </c:pt>
+                <c:pt idx="317">
+                  <c:v>4.0346153191421763E-2</c:v>
+                </c:pt>
+                <c:pt idx="318">
+                  <c:v>7.3747146727910717E-2</c:v>
+                </c:pt>
+                <c:pt idx="319">
+                  <c:v>0.11714068227813357</c:v>
+                </c:pt>
+                <c:pt idx="320">
+                  <c:v>0.17052242052469069</c:v>
+                </c:pt>
+                <c:pt idx="321">
+                  <c:v>0.23388702333824085</c:v>
+                </c:pt>
+                <c:pt idx="322">
+                  <c:v>0.30722815431131778</c:v>
+                </c:pt>
+                <c:pt idx="323">
+                  <c:v>0.39053847939190689</c:v>
+                </c:pt>
+                <c:pt idx="324">
+                  <c:v>0.48380966761696698</c:v>
+                </c:pt>
+                <c:pt idx="325">
+                  <c:v>0.58703239194537105</c:v>
+                </c:pt>
+                <c:pt idx="326">
+                  <c:v>0.70019633019072103</c:v>
+                </c:pt>
+                <c:pt idx="327">
+                  <c:v>0.82329016605349636</c:v>
+                </c:pt>
+                <c:pt idx="328">
+                  <c:v>0.95630159025267858</c:v>
+                </c:pt>
+                <c:pt idx="329">
+                  <c:v>1.0992173017567097</c:v>
+                </c:pt>
+                <c:pt idx="330">
+                  <c:v>1.2520230091135147</c:v>
+                </c:pt>
+                <c:pt idx="331">
+                  <c:v>1.4147034318796869</c:v>
+                </c:pt>
+                <c:pt idx="332">
+                  <c:v>1.5872423021485531</c:v>
+                </c:pt>
+                <c:pt idx="333">
+                  <c:v>1.7696223661768329</c:v>
+                </c:pt>
+                <c:pt idx="334">
+                  <c:v>1.9618253861101209</c:v>
+                </c:pt>
+                <c:pt idx="335">
+                  <c:v>2.1638321418065942</c:v>
+                </c:pt>
+                <c:pt idx="336">
+                  <c:v>2.3756224327590019</c:v>
+                </c:pt>
+                <c:pt idx="337">
+                  <c:v>2.5971750801147948</c:v>
+                </c:pt>
+                <c:pt idx="338">
+                  <c:v>2.8284679287937848</c:v>
+                </c:pt>
+                <c:pt idx="339">
+                  <c:v>3.0694778497039152</c:v>
+                </c:pt>
+                <c:pt idx="340">
+                  <c:v>3.3201807420538927</c:v>
+                </c:pt>
+                <c:pt idx="341">
+                  <c:v>3.5805515357634334</c:v>
+                </c:pt>
+                <c:pt idx="342">
+                  <c:v>3.850564193970115</c:v>
+                </c:pt>
+                <c:pt idx="343">
+                  <c:v>4.1301917156331456</c:v>
+                </c:pt>
+                <c:pt idx="344">
+                  <c:v>4.4194061382333558</c:v>
+                </c:pt>
+                <c:pt idx="345">
+                  <c:v>4.7181785405695251</c:v>
+                </c:pt>
+                <c:pt idx="346">
+                  <c:v>5.0264790456503761</c:v>
+                </c:pt>
+                <c:pt idx="347">
+                  <c:v>5.3442768236823497</c:v>
+                </c:pt>
+                <c:pt idx="348">
+                  <c:v>5.6715400951524231</c:v>
+                </c:pt>
+                <c:pt idx="349">
+                  <c:v>6.0082361340062107</c:v>
+                </c:pt>
+                <c:pt idx="350">
+                  <c:v>6.354331270920369</c:v>
+                </c:pt>
+                <c:pt idx="351">
+                  <c:v>6.7097908966696451</c:v>
+                </c:pt>
+                <c:pt idx="352">
+                  <c:v>7.074579465587675</c:v>
+                </c:pt>
+                <c:pt idx="353">
+                  <c:v>7.4486604991215444</c:v>
+                </c:pt>
+                <c:pt idx="354">
+                  <c:v>7.8319965894796582</c:v>
+                </c:pt>
+                <c:pt idx="355">
+                  <c:v>8.2245494033724071</c:v>
+                </c:pt>
+                <c:pt idx="356">
+                  <c:v>8.6262796858455317</c:v>
+                </c:pt>
+                <c:pt idx="357">
+                  <c:v>9.0371472642055437</c:v>
+                </c:pt>
+                <c:pt idx="358">
+                  <c:v>9.4571110520370354</c:v>
+                </c:pt>
+                <c:pt idx="359">
+                  <c:v>9.8861290533111372</c:v>
+                </c:pt>
+                <c:pt idx="360">
+                  <c:v>10.324158366585294</c:v>
+                </c:pt>
+                <c:pt idx="361">
+                  <c:v>10.771155189293154</c:v>
+                </c:pt>
+                <c:pt idx="362">
+                  <c:v>11.22707482212499</c:v>
+                </c:pt>
+                <c:pt idx="363">
+                  <c:v>11.691871673497388</c:v>
+                </c:pt>
+                <c:pt idx="364">
+                  <c:v>12.165499264112597</c:v>
+                </c:pt>
+                <c:pt idx="365">
+                  <c:v>12.647910231606204</c:v>
+                </c:pt>
+                <c:pt idx="366">
+                  <c:v>13.139056335283513</c:v>
+                </c:pt>
+                <c:pt idx="367">
+                  <c:v>13.638888460943392</c:v>
+                </c:pt>
+                <c:pt idx="368">
+                  <c:v>14.147356625789826</c:v>
+                </c:pt>
+                <c:pt idx="369">
+                  <c:v>14.664409983430048</c:v>
+                </c:pt>
+                <c:pt idx="370">
+                  <c:v>15.189996828959195</c:v>
+                </c:pt>
+                <c:pt idx="371">
+                  <c:v>15.724064604130646</c:v>
+                </c:pt>
+                <c:pt idx="372">
+                  <c:v>16.266559902612002</c:v>
+                </c:pt>
+                <c:pt idx="373">
+                  <c:v>16.817428475325443</c:v>
+                </c:pt>
+                <c:pt idx="374">
+                  <c:v>17.376615235872777</c:v>
+                </c:pt>
+                <c:pt idx="375">
+                  <c:v>17.944064266043924</c:v>
+                </c:pt>
+                <c:pt idx="376">
+                  <c:v>18.519718821408745</c:v>
+                </c:pt>
+                <c:pt idx="377">
+                  <c:v>19.103521336991449</c:v>
+                </c:pt>
+                <c:pt idx="378">
+                  <c:v>19.695413433026914</c:v>
+                </c:pt>
+                <c:pt idx="379">
+                  <c:v>20.295335920798834</c:v>
+                </c:pt>
+                <c:pt idx="380">
+                  <c:v>20.90322880855831</c:v>
+                </c:pt>
+                <c:pt idx="381">
+                  <c:v>21.519031307523221</c:v>
+                </c:pt>
+                <c:pt idx="382">
+                  <c:v>22.142681837956744</c:v>
+                </c:pt>
+                <c:pt idx="383">
+                  <c:v>22.774118035325628</c:v>
+                </c:pt>
+                <c:pt idx="384">
+                  <c:v>23.413276756536263</c:v>
+                </c:pt>
+                <c:pt idx="385">
+                  <c:v>24.060094086249222</c:v>
+                </c:pt>
+                <c:pt idx="386">
+                  <c:v>24.71450534327046</c:v>
+                </c:pt>
+                <c:pt idx="387">
+                  <c:v>25.376445087019718</c:v>
+                </c:pt>
+                <c:pt idx="388">
+                  <c:v>26.045847124074157</c:v>
+                </c:pt>
+                <c:pt idx="389">
+                  <c:v>26.722644514787959</c:v>
+                </c:pt>
+                <c:pt idx="390">
+                  <c:v>27.406769579985976</c:v>
+                </c:pt>
+                <c:pt idx="391">
+                  <c:v>28.098153907731884</c:v>
+                </c:pt>
+                <c:pt idx="392">
+                  <c:v>28.796728360168984</c:v>
+                </c:pt>
+                <c:pt idx="393">
+                  <c:v>29.502423080434241</c:v>
+                </c:pt>
+                <c:pt idx="394">
+                  <c:v>30.215167499643627</c:v>
+                </c:pt>
+                <c:pt idx="395">
+                  <c:v>30.934890343949235</c:v>
+                </c:pt>
+                <c:pt idx="396">
+                  <c:v>31.661519641666374</c:v>
+                </c:pt>
+                <c:pt idx="397">
+                  <c:v>32.394982730470829</c:v>
+                </c:pt>
+                <c:pt idx="398">
+                  <c:v>33.135206264664873</c:v>
+                </c:pt>
+                <c:pt idx="399">
+                  <c:v>33.88211622251201</c:v>
+                </c:pt>
+                <c:pt idx="400">
+                  <c:v>34.635637913638803</c:v>
+                </c:pt>
+                <c:pt idx="401">
+                  <c:v>35.395695986504123</c:v>
+                </c:pt>
+                <c:pt idx="402">
+                  <c:v>36.162214435934047</c:v>
+                </c:pt>
+                <c:pt idx="403">
+                  <c:v>36.935116610722474</c:v>
+                </c:pt>
+                <c:pt idx="404">
+                  <c:v>37.714325221295852</c:v>
+                </c:pt>
+                <c:pt idx="405">
+                  <c:v>38.499762347442555</c:v>
+                </c:pt>
+                <c:pt idx="406">
+                  <c:v>39.291349446104483</c:v>
+                </c:pt>
+                <c:pt idx="407">
+                  <c:v>40.089007359231502</c:v>
+                </c:pt>
+                <c:pt idx="408">
+                  <c:v>40.892656321696862</c:v>
+                </c:pt>
+                <c:pt idx="409">
+                  <c:v>41.702215969274093</c:v>
+                </c:pt>
+                <c:pt idx="410">
+                  <c:v>42.517605346673079</c:v>
+                </c:pt>
+                <c:pt idx="411">
+                  <c:v>43.338742915635628</c:v>
+                </c:pt>
+                <c:pt idx="412">
+                  <c:v>44.165546563088995</c:v>
+                </c:pt>
+                <c:pt idx="413">
+                  <c:v>44.997933609357489</c:v>
+                </c:pt>
+                <c:pt idx="414">
+                  <c:v>45.835820816430143</c:v>
+                </c:pt>
+                <c:pt idx="415">
+                  <c:v>46.679124396284564</c:v>
+                </c:pt>
+                <c:pt idx="416">
+                  <c:v>47.527760019265365</c:v>
+                </c:pt>
+                <c:pt idx="417">
+                  <c:v>48.38164282251752</c:v>
+                </c:pt>
+                <c:pt idx="418">
+                  <c:v>49.240687418472277</c:v>
+                </c:pt>
+                <c:pt idx="419">
+                  <c:v>50.104807903385968</c:v>
+                </c:pt>
+                <c:pt idx="420">
+                  <c:v>50.973917865930055</c:v>
+                </c:pt>
+                <c:pt idx="421">
+                  <c:v>51.84793039583262</c:v>
+                </c:pt>
+                <c:pt idx="422">
+                  <c:v>52.726758092569014</c:v>
+                </c:pt>
+                <c:pt idx="423">
+                  <c:v>53.610313074101988</c:v>
+                </c:pt>
+                <c:pt idx="424">
+                  <c:v>54.498506985669529</c:v>
+                </c:pt>
+                <c:pt idx="425">
+                  <c:v>55.391251008620721</c:v>
+                </c:pt>
+                <c:pt idx="426">
+                  <c:v>56.288455869297216</c:v>
+                </c:pt>
+                <c:pt idx="427">
+                  <c:v>57.190031847960618</c:v>
+                </c:pt>
+                <c:pt idx="428">
+                  <c:v>58.095888787764444</c:v>
+                </c:pt>
+                <c:pt idx="429">
+                  <c:v>59.005936103769443</c:v>
+                </c:pt>
+                <c:pt idx="430">
+                  <c:v>59.920082792002454</c:v>
+                </c:pt>
+                <c:pt idx="431">
+                  <c:v>60.838237438556448</c:v>
+                </c:pt>
+                <c:pt idx="432">
+                  <c:v>61.760308228731972</c:v>
+                </c:pt>
+                <c:pt idx="433">
+                  <c:v>62.686202956218239</c:v>
+                </c:pt>
+                <c:pt idx="434">
+                  <c:v>63.61582903231416</c:v>
+                </c:pt>
+                <c:pt idx="435">
+                  <c:v>64.54909349518681</c:v>
+                </c:pt>
+                <c:pt idx="436">
+                  <c:v>65.485903019167694</c:v>
+                </c:pt>
+                <c:pt idx="437">
+                  <c:v>66.426163924084932</c:v>
+                </c:pt>
+                <c:pt idx="438">
+                  <c:v>67.369782184631646</c:v>
+                </c:pt>
+                <c:pt idx="439">
+                  <c:v>68.316663439768149</c:v>
+                </c:pt>
+                <c:pt idx="440">
+                  <c:v>69.26671300215807</c:v>
+                </c:pt>
+                <c:pt idx="441">
+                  <c:v>70.219835867636689</c:v>
+                </c:pt>
+                <c:pt idx="442">
+                  <c:v>71.175936724711846</c:v>
+                </c:pt>
+                <c:pt idx="443">
+                  <c:v>72.134919964094536</c:v>
+                </c:pt>
+                <c:pt idx="444">
+                  <c:v>73.096689688260099</c:v>
+                </c:pt>
+                <c:pt idx="445">
+                  <c:v>74.061149721037395</c:v>
+                </c:pt>
+                <c:pt idx="446">
+                  <c:v>75.028203617226936</c:v>
+                </c:pt>
+                <c:pt idx="447">
+                  <c:v>75.997754672245009</c:v>
+                </c:pt>
+                <c:pt idx="448">
+                  <c:v>76.969705931794138</c:v>
+                </c:pt>
+                <c:pt idx="449">
+                  <c:v>77.943960201558141</c:v>
+                </c:pt>
+                <c:pt idx="450">
+                  <c:v>78.920420056922026</c:v>
+                </c:pt>
+                <c:pt idx="451">
+                  <c:v>79.898987852713958</c:v>
+                </c:pt>
+                <c:pt idx="452">
+                  <c:v>80.879565732969837</c:v>
+                </c:pt>
+                <c:pt idx="453">
+                  <c:v>81.862055640718864</c:v>
+                </c:pt>
+                <c:pt idx="454">
+                  <c:v>82.846359327788818</c:v>
+                </c:pt>
+                <c:pt idx="455">
+                  <c:v>83.832378364631353</c:v>
+                </c:pt>
+                <c:pt idx="456">
+                  <c:v>84.82001415016444</c:v>
+                </c:pt>
+                <c:pt idx="457">
+                  <c:v>85.809167921632664</c:v>
+                </c:pt>
+                <c:pt idx="458">
+                  <c:v>86.799740764482976</c:v>
+                </c:pt>
+                <c:pt idx="459">
+                  <c:v>87.791633622256654</c:v>
+                </c:pt>
+                <c:pt idx="460">
+                  <c:v>88.784747306494509</c:v>
+                </c:pt>
+                <c:pt idx="461">
+                  <c:v>89.778982506655794</c:v>
+                </c:pt>
+                <c:pt idx="462">
+                  <c:v>90.774239800048832</c:v>
+                </c:pt>
+                <c:pt idx="463">
+                  <c:v>91.770419661773758</c:v>
+                </c:pt>
+                <c:pt idx="464">
+                  <c:v>92.767422474674547</c:v>
+                </c:pt>
+                <c:pt idx="465">
+                  <c:v>93.765148539300839</c:v>
+                </c:pt>
+                <c:pt idx="466">
+                  <c:v>94.763498083876428</c:v>
+                </c:pt>
+                <c:pt idx="467">
+                  <c:v>95.762371274280881</c:v>
+                </c:pt>
+                <c:pt idx="468">
+                  <c:v>96.76166822402655</c:v>
+                </c:pt>
+                <c:pt idx="469">
+                  <c:v>97.761289004251225</c:v>
+                </c:pt>
+                <c:pt idx="470">
+                  <c:v>98.761133653709962</c:v>
+                </c:pt>
+                <c:pt idx="471">
+                  <c:v>99.761102188770863</c:v>
+                </c:pt>
+                <c:pt idx="472">
+                  <c:v>100.76109461341382</c:v>
+                </c:pt>
+                <c:pt idx="473">
+                  <c:v>101.76101092922966</c:v>
+                </c:pt>
+                <c:pt idx="474">
+                  <c:v>102.76075114542017</c:v>
+                </c:pt>
+                <c:pt idx="475">
+                  <c:v>103.76021528879667</c:v>
+                </c:pt>
+                <c:pt idx="476">
+                  <c:v>104.7593034137778</c:v>
+                </c:pt>
+                <c:pt idx="477">
+                  <c:v>105.75791561238363</c:v>
+                </c:pt>
+                <c:pt idx="478">
+                  <c:v>106.75595202422646</c:v>
+                </c:pt>
+                <c:pt idx="479">
+                  <c:v>107.7533128464969</c:v>
+                </c:pt>
+                <c:pt idx="480">
+                  <c:v>108.74989834394367</c:v>
+                </c:pt>
+                <c:pt idx="481">
+                  <c:v>109.7456088588476</c:v>
+                </c:pt>
+                <c:pt idx="482">
+                  <c:v>110.74034482098696</c:v>
+                </c:pt>
+                <c:pt idx="483">
+                  <c:v>111.73400675759457</c:v>
+                </c:pt>
+                <c:pt idx="484">
+                  <c:v>112.72649530330465</c:v>
+                </c:pt>
+                <c:pt idx="485">
+                  <c:v>113.71771121008976</c:v>
+                </c:pt>
+                <c:pt idx="486">
+                  <c:v>114.70755535718526</c:v>
+                </c:pt>
+                <c:pt idx="487">
+                  <c:v>115.69592876100137</c:v>
+                </c:pt>
+                <c:pt idx="488">
+                  <c:v>116.6827325850212</c:v>
+                </c:pt>
+                <c:pt idx="489">
+                  <c:v>117.66786814968476</c:v>
+                </c:pt>
+                <c:pt idx="490">
+                  <c:v>118.65123694225653</c:v>
+                </c:pt>
+                <c:pt idx="491">
+                  <c:v>119.63274062667679</c:v>
+                </c:pt>
+                <c:pt idx="492">
+                  <c:v>120.61228105339488</c:v>
+                </c:pt>
+                <c:pt idx="493">
+                  <c:v>121.58976026918447</c:v>
+                </c:pt>
+                <c:pt idx="494">
+                  <c:v>122.56508052693853</c:v>
+                </c:pt>
+                <c:pt idx="495">
+                  <c:v>123.53814429544417</c:v>
+                </c:pt>
+                <c:pt idx="496">
+                  <c:v>124.50885426913523</c:v>
+                </c:pt>
+                <c:pt idx="497">
+                  <c:v>125.47711337782334</c:v>
+                </c:pt>
+                <c:pt idx="498">
+                  <c:v>126.44282479640455</c:v>
+                </c:pt>
+                <c:pt idx="499">
+                  <c:v>127.4058919545418</c:v>
+                </c:pt>
+                <c:pt idx="500">
+                  <c:v>128.3662185463217</c:v>
+                </c:pt>
+                <c:pt idx="501">
+                  <c:v>129.32370853988539</c:v>
+                </c:pt>
+                <c:pt idx="502">
+                  <c:v>130.27826618703142</c:v>
+                </c:pt>
+                <c:pt idx="503">
+                  <c:v>131.22979603279057</c:v>
+                </c:pt>
+                <c:pt idx="504">
+                  <c:v>132.17820292497126</c:v>
+                </c:pt>
+                <c:pt idx="505">
+                  <c:v>133.12339202367446</c:v>
+                </c:pt>
+                <c:pt idx="506">
+                  <c:v>134.06526881077801</c:v>
+                </c:pt>
+                <c:pt idx="507">
+                  <c:v>135.0037390993881</c:v>
+                </c:pt>
+                <c:pt idx="508">
+                  <c:v>135.93870904325806</c:v>
+                </c:pt>
+                <c:pt idx="509">
+                  <c:v>136.87008514617241</c:v>
+                </c:pt>
+                <c:pt idx="510">
+                  <c:v>137.79777427129713</c:v>
+                </c:pt>
+                <c:pt idx="511">
+                  <c:v>138.72168365049274</c:v>
+                </c:pt>
+                <c:pt idx="512">
+                  <c:v>139.64172089359135</c:v>
+                </c:pt>
+                <c:pt idx="513">
+                  <c:v>140.55779399763429</c:v>
+                </c:pt>
+                <c:pt idx="514">
+                  <c:v>141.46981135607641</c:v>
+                </c:pt>
+                <c:pt idx="515">
+                  <c:v>142.37768176794097</c:v>
+                </c:pt>
+                <c:pt idx="516">
+                  <c:v>143.28131444694338</c:v>
+                </c:pt>
+                <c:pt idx="517">
+                  <c:v>144.18061903056878</c:v>
+                </c:pt>
+                <c:pt idx="518">
+                  <c:v>145.07550558910813</c:v>
+                </c:pt>
+                <c:pt idx="519">
+                  <c:v>145.96588463465136</c:v>
+                </c:pt>
+                <c:pt idx="520">
+                  <c:v>146.85166713003591</c:v>
+                </c:pt>
+                <c:pt idx="521">
+                  <c:v>147.73276449775045</c:v>
+                </c:pt>
+                <c:pt idx="522">
+                  <c:v>148.60908862879231</c:v>
+                </c:pt>
+                <c:pt idx="523">
+                  <c:v>149.48055189147874</c:v>
+                </c:pt>
+                <c:pt idx="524">
+                  <c:v>150.34706714020965</c:v>
+                </c:pt>
+                <c:pt idx="525">
+                  <c:v>151.20854772418232</c:v>
+                </c:pt>
+                <c:pt idx="526">
+                  <c:v>152.06490749605626</c:v>
+                </c:pt>
+                <c:pt idx="527">
+                  <c:v>152.91606082056785</c:v>
+                </c:pt>
+                <c:pt idx="528">
+                  <c:v>153.76192258309391</c:v>
+                </c:pt>
+                <c:pt idx="529">
+                  <c:v>154.60240819816312</c:v>
+                </c:pt>
+                <c:pt idx="530">
+                  <c:v>155.43743361791445</c:v>
+                </c:pt>
+                <c:pt idx="531">
+                  <c:v>156.26691534050161</c:v>
+                </c:pt>
+                <c:pt idx="532">
+                  <c:v>157.0907704184437</c:v>
+                </c:pt>
+                <c:pt idx="533">
+                  <c:v>157.90891646691938</c:v>
+                </c:pt>
+                <c:pt idx="534">
+                  <c:v>158.72127167200574</c:v>
+                </c:pt>
+                <c:pt idx="535">
+                  <c:v>159.52775479885904</c:v>
+                </c:pt>
+                <c:pt idx="536">
+                  <c:v>160.32828519983877</c:v>
+                </c:pt>
+                <c:pt idx="537">
+                  <c:v>161.12278282257191</c:v>
+                </c:pt>
+                <c:pt idx="538">
+                  <c:v>161.91116821795833</c:v>
+                </c:pt>
+                <c:pt idx="539">
+                  <c:v>162.69336254811537</c:v>
+                </c:pt>
+                <c:pt idx="540">
+                  <c:v>163.46928759426189</c:v>
+                </c:pt>
+                <c:pt idx="541">
+                  <c:v>164.23886576453987</c:v>
+                </c:pt>
+                <c:pt idx="542">
+                  <c:v>165.00202010177367</c:v>
+                </c:pt>
+                <c:pt idx="543">
+                  <c:v>165.75867429116545</c:v>
+                </c:pt>
+                <c:pt idx="544">
+                  <c:v>166.50875266792676</c:v>
+                </c:pt>
+                <c:pt idx="545">
+                  <c:v>167.25218022484506</c:v>
+                </c:pt>
+                <c:pt idx="546">
+                  <c:v>167.98888261978428</c:v>
+                </c:pt>
+                <c:pt idx="547">
+                  <c:v>168.71878618311865</c:v>
+                </c:pt>
+                <c:pt idx="548">
+                  <c:v>169.44181792510017</c:v>
+                </c:pt>
+                <c:pt idx="549">
+                  <c:v>170.15790554315714</c:v>
+                </c:pt>
+                <c:pt idx="550">
+                  <c:v>170.86697742912457</c:v>
+                </c:pt>
+                <c:pt idx="551">
+                  <c:v>171.56896267640474</c:v>
+                </c:pt>
+                <c:pt idx="552">
+                  <c:v>172.26379108705783</c:v>
+                </c:pt>
+                <c:pt idx="553">
+                  <c:v>172.9513931788218</c:v>
+                </c:pt>
+                <c:pt idx="554">
+                  <c:v>173.63170019206055</c:v>
+                </c:pt>
+                <c:pt idx="555">
+                  <c:v>174.30464409663966</c:v>
+                </c:pt>
+                <c:pt idx="556">
+                  <c:v>174.97015759872943</c:v>
+                </c:pt>
+                <c:pt idx="557">
+                  <c:v>175.62817414753422</c:v>
+                </c:pt>
+                <c:pt idx="558">
+                  <c:v>176.27862794194689</c:v>
+                </c:pt>
+                <c:pt idx="559">
+                  <c:v>176.92145393713133</c:v>
+                </c:pt>
+                <c:pt idx="560">
+                  <c:v>177.5565878510231</c:v>
+                </c:pt>
+                <c:pt idx="561">
+                  <c:v>178.18396617076002</c:v>
+                </c:pt>
+                <c:pt idx="562">
+                  <c:v>178.80352615903291</c:v>
+                </c:pt>
+                <c:pt idx="563">
+                  <c:v>179.41520586035926</c:v>
+                </c:pt>
+                <c:pt idx="564">
+                  <c:v>180.0189441072788</c:v>
+                </c:pt>
+                <c:pt idx="565">
+                  <c:v>180.61468052646978</c:v>
+                </c:pt>
+                <c:pt idx="566">
+                  <c:v>181.20235554478677</c:v>
+                </c:pt>
+                <c:pt idx="567">
+                  <c:v>181.78191039521772</c:v>
+                </c:pt>
+                <c:pt idx="568">
+                  <c:v>182.35328712276055</c:v>
+                </c:pt>
+                <c:pt idx="569">
+                  <c:v>182.91642859021854</c:v>
+                </c:pt>
+                <c:pt idx="570">
+                  <c:v>183.47127848391432</c:v>
+                </c:pt>
+                <c:pt idx="571">
+                  <c:v>184.01778131932087</c:v>
+                </c:pt>
+                <c:pt idx="572">
+                  <c:v>184.55588244661013</c:v>
+                </c:pt>
+                <c:pt idx="573">
+                  <c:v>185.08552805611765</c:v>
+                </c:pt>
+                <c:pt idx="574">
+                  <c:v>185.60666518372398</c:v>
+                </c:pt>
+                <c:pt idx="575">
+                  <c:v>186.11924171615055</c:v>
+                </c:pt>
+                <c:pt idx="576">
+                  <c:v>186.62320639617133</c:v>
+                </c:pt>
+                <c:pt idx="577">
+                  <c:v>187.11850882773825</c:v>
+                </c:pt>
+                <c:pt idx="578">
+                  <c:v>187.60509948102091</c:v>
+                </c:pt>
+                <c:pt idx="579">
+                  <c:v>188.08292969735948</c:v>
+                </c:pt>
+                <c:pt idx="580">
+                  <c:v>188.55195169413048</c:v>
+                </c:pt>
+                <c:pt idx="581">
+                  <c:v>189.01211856952517</c:v>
+                </c:pt>
+                <c:pt idx="582">
+                  <c:v>189.46338430723941</c:v>
+                </c:pt>
+                <c:pt idx="583">
+                  <c:v>189.90570378107546</c:v>
+                </c:pt>
+                <c:pt idx="584">
+                  <c:v>190.3390327594546</c:v>
+                </c:pt>
+                <c:pt idx="585">
+                  <c:v>190.76332790984009</c:v>
+                </c:pt>
+                <c:pt idx="586">
+                  <c:v>191.17854680307042</c:v>
+                </c:pt>
+                <c:pt idx="587">
+                  <c:v>191.5846479176023</c:v>
+                </c:pt>
+                <c:pt idx="588">
+                  <c:v>191.98159064366274</c:v>
+                </c:pt>
+                <c:pt idx="589">
+                  <c:v>192.36933528730987</c:v>
+                </c:pt>
+                <c:pt idx="590">
+                  <c:v>192.74784307440245</c:v>
+                </c:pt>
+                <c:pt idx="591">
+                  <c:v>193.11707615447722</c:v>
+                </c:pt>
+                <c:pt idx="592">
+                  <c:v>193.47699760453384</c:v>
+                </c:pt>
+                <c:pt idx="593">
+                  <c:v>193.82757143272724</c:v>
+                </c:pt>
+                <c:pt idx="594">
+                  <c:v>194.16876258196675</c:v>
+                </c:pt>
+                <c:pt idx="595">
+                  <c:v>194.50053693342176</c:v>
+                </c:pt>
+                <c:pt idx="596">
+                  <c:v>194.82286130993361</c:v>
+                </c:pt>
+                <c:pt idx="597">
+                  <c:v>195.1357034793333</c:v>
+                </c:pt>
+                <c:pt idx="598">
+                  <c:v>195.43903215766449</c:v>
+                </c:pt>
+                <c:pt idx="599">
+                  <c:v>195.73281701231221</c:v>
+                </c:pt>
+                <c:pt idx="600">
+                  <c:v>196.01702866503575</c:v>
+                </c:pt>
+                <c:pt idx="601">
+                  <c:v>196.29163869490674</c:v>
+                </c:pt>
+                <c:pt idx="602">
+                  <c:v>196.556619641151</c:v>
+                </c:pt>
+                <c:pt idx="603">
+                  <c:v>196.8119450058947</c:v>
+                </c:pt>
+                <c:pt idx="604">
+                  <c:v>197.0575892568142</c:v>
+                </c:pt>
+                <c:pt idx="605">
+                  <c:v>197.2935278296888</c:v>
+                </c:pt>
+                <c:pt idx="606">
+                  <c:v>197.5197371308584</c:v>
+                </c:pt>
+                <c:pt idx="607">
+                  <c:v>197.73619453958105</c:v>
+                </c:pt>
+                <c:pt idx="608">
+                  <c:v>197.94287841029632</c:v>
+                </c:pt>
+                <c:pt idx="609">
+                  <c:v>198.13976807478934</c:v>
+                </c:pt>
+                <c:pt idx="610">
+                  <c:v>198.32684384425772</c:v>
+                </c:pt>
+                <c:pt idx="611">
+                  <c:v>198.50408701128049</c:v>
+                </c:pt>
+                <c:pt idx="612">
+                  <c:v>198.67147985168856</c:v>
+                </c:pt>
+                <c:pt idx="613">
+                  <c:v>198.82900562633745</c:v>
+                </c:pt>
+                <c:pt idx="614">
+                  <c:v>198.97664858278091</c:v>
+                </c:pt>
+                <c:pt idx="615">
+                  <c:v>199.11439395684636</c:v>
+                </c:pt>
+                <c:pt idx="616">
+                  <c:v>199.24222797411119</c:v>
+                </c:pt>
+                <c:pt idx="617">
+                  <c:v>199.36013785128017</c:v>
+                </c:pt>
+                <c:pt idx="618">
+                  <c:v>199.46811179746391</c:v>
+                </c:pt>
+                <c:pt idx="619">
+                  <c:v>199.56613901535766</c:v>
+                </c:pt>
+                <c:pt idx="620">
+                  <c:v>199.65420970232142</c:v>
+                </c:pt>
+                <c:pt idx="621">
+                  <c:v>199.73231505135982</c:v>
+                </c:pt>
+                <c:pt idx="622">
+                  <c:v>199.8004472520031</c:v>
+                </c:pt>
+                <c:pt idx="623">
+                  <c:v>199.85859949108792</c:v>
+                </c:pt>
+                <c:pt idx="624">
+                  <c:v>199.90676595343888</c:v>
+                </c:pt>
+                <c:pt idx="625">
+                  <c:v>199.94494182244981</c:v>
+                </c:pt>
+                <c:pt idx="626">
+                  <c:v>199.97312328056569</c:v>
+                </c:pt>
+                <c:pt idx="627">
+                  <c:v>199.99130750966418</c:v>
+                </c:pt>
+                <c:pt idx="628">
+                  <c:v>199.99949269133751</c:v>
+                </c:pt>
+              </c:numCache>
+            </c:numRef>
+          </c:val>
+          <c:smooth val="0"/>
+          <c:extLst>
+            <c:ext xmlns:c16="http://schemas.microsoft.com/office/drawing/2014/chart" uri="{C3380CC4-5D6E-409C-BE32-E72D297353CC}">
+              <c16:uniqueId val="{00000000-A3CB-4781-98FD-AD41EFCC91FF}"/>
+            </c:ext>
+          </c:extLst>
+        </c:ser>
+        <c:dLbls>
+          <c:showLegendKey val="0"/>
+          <c:showVal val="0"/>
+          <c:showCatName val="0"/>
+          <c:showSerName val="0"/>
+          <c:showPercent val="0"/>
+          <c:showBubbleSize val="0"/>
+        </c:dLbls>
+        <c:smooth val="0"/>
+        <c:axId val="145366944"/>
+        <c:axId val="138796096"/>
+      </c:lineChart>
+      <c:catAx>
+        <c:axId val="145366944"/>
+        <c:scaling>
+          <c:orientation val="minMax"/>
+        </c:scaling>
+        <c:delete val="1"/>
+        <c:axPos val="b"/>
+        <c:majorTickMark val="none"/>
+        <c:minorTickMark val="none"/>
+        <c:tickLblPos val="nextTo"/>
+        <c:crossAx val="138796096"/>
+        <c:crosses val="autoZero"/>
+        <c:auto val="1"/>
+        <c:lblAlgn val="ctr"/>
+        <c:lblOffset val="100"/>
+        <c:noMultiLvlLbl val="0"/>
+      </c:catAx>
+      <c:valAx>
+        <c:axId val="138796096"/>
+        <c:scaling>
+          <c:orientation val="minMax"/>
+        </c:scaling>
+        <c:delete val="1"/>
+        <c:axPos val="l"/>
+        <c:numFmt formatCode="General" sourceLinked="1"/>
+        <c:majorTickMark val="none"/>
+        <c:minorTickMark val="none"/>
+        <c:tickLblPos val="nextTo"/>
+        <c:crossAx val="145366944"/>
+        <c:crosses val="autoZero"/>
+        <c:crossBetween val="between"/>
+      </c:valAx>
+      <c:spPr>
+        <a:noFill/>
+        <a:ln>
+          <a:noFill/>
+        </a:ln>
+        <a:effectLst/>
+      </c:spPr>
+    </c:plotArea>
+    <c:plotVisOnly val="1"/>
+    <c:dispBlanksAs val="gap"/>
+    <c:extLst>
+      <c:ext xmlns:c16r3="http://schemas.microsoft.com/office/drawing/2017/03/chart" uri="{56B9EC1D-385E-4148-901F-78D8002777C0}">
+        <c16r3:dataDisplayOptions16>
+          <c16r3:dispNaAsBlank val="1"/>
+        </c16r3:dataDisplayOptions16>
+      </c:ext>
+    </c:extLst>
+    <c:showDLblsOverMax val="0"/>
+  </c:chart>
+  <c:spPr>
+    <a:noFill/>
+    <a:ln>
+      <a:noFill/>
+    </a:ln>
+    <a:effectLst/>
+  </c:spPr>
+  <c:txPr>
+    <a:bodyPr/>
+    <a:lstStyle/>
+    <a:p>
+      <a:pPr>
+        <a:defRPr/>
+      </a:pPr>
+      <a:endParaRPr lang="en-US"/>
+    </a:p>
+  </c:txPr>
+  <c:externalData r:id="rId3">
+    <c:autoUpdate val="0"/>
+  </c:externalData>
+</c:chartSpace>
+</file>
+
+<file path=ppt/charts/chart4.xml><?xml version="1.0" encoding="utf-8"?>
+<c:chartSpace xmlns:c="http://schemas.openxmlformats.org/drawingml/2006/chart" xmlns:a="http://schemas.openxmlformats.org/drawingml/2006/main" xmlns:r="http://schemas.openxmlformats.org/officeDocument/2006/relationships" xmlns:c16r2="http://schemas.microsoft.com/office/drawing/2015/06/chart">
+  <c:date1904 val="0"/>
+  <c:lang val="en-US"/>
+  <c:roundedCorners val="0"/>
+  <mc:AlternateContent xmlns:mc="http://schemas.openxmlformats.org/markup-compatibility/2006">
+    <mc:Choice xmlns:c14="http://schemas.microsoft.com/office/drawing/2007/8/2/chart" Requires="c14">
+      <c14:style val="102"/>
+    </mc:Choice>
+    <mc:Fallback>
+      <c:style val="2"/>
+    </mc:Fallback>
+  </mc:AlternateContent>
+  <c:chart>
+    <c:autoTitleDeleted val="1"/>
+    <c:plotArea>
+      <c:layout/>
+      <c:lineChart>
+        <c:grouping val="standard"/>
+        <c:varyColors val="0"/>
+        <c:ser>
+          <c:idx val="0"/>
+          <c:order val="0"/>
+          <c:spPr>
+            <a:ln w="28575" cap="rnd">
+              <a:solidFill>
+                <a:schemeClr val="accent1"/>
+              </a:solidFill>
+              <a:round/>
+            </a:ln>
+            <a:effectLst/>
+          </c:spPr>
+          <c:marker>
+            <c:symbol val="none"/>
+          </c:marker>
+          <c:val>
+            <c:numRef>
+              <c:f>Sheet1!$A$3:$XE$3</c:f>
+              <c:numCache>
+                <c:formatCode>General</c:formatCode>
+                <c:ptCount val="629"/>
+                <c:pt idx="0">
+                  <c:v>200</c:v>
+                </c:pt>
+                <c:pt idx="1">
+                  <c:v>201.99996666683333</c:v>
+                </c:pt>
+                <c:pt idx="2">
+                  <c:v>203.99973333866663</c:v>
+                </c:pt>
+                <c:pt idx="3">
+                  <c:v>205.99910004049914</c:v>
+                </c:pt>
+                <c:pt idx="4">
+                  <c:v>207.99786683732682</c:v>
+                </c:pt>
+                <c:pt idx="5">
+                  <c:v>209.99583385413567</c:v>
+                </c:pt>
+                <c:pt idx="6">
+                  <c:v>211.99280129588891</c:v>
+                </c:pt>
+                <c:pt idx="7">
+                  <c:v>213.98856946750655</c:v>
+                </c:pt>
+                <c:pt idx="8">
+                  <c:v>215.98293879383453</c:v>
+                </c:pt>
+                <c:pt idx="9">
+                  <c:v>217.97570983960222</c:v>
+                </c:pt>
+                <c:pt idx="10">
+                  <c:v>219.96668332936562</c:v>
+                </c:pt>
+                <c:pt idx="11">
+                  <c:v>221.95566016743496</c:v>
+                </c:pt>
+                <c:pt idx="12">
+                  <c:v>223.94244145778387</c:v>
+                </c:pt>
+                <c:pt idx="13">
+                  <c:v>225.92682852393898</c:v>
+                </c:pt>
+                <c:pt idx="14">
+                  <c:v>227.90862292884731</c:v>
+                </c:pt>
+                <c:pt idx="15">
+                  <c:v>229.88762649471985</c:v>
+                </c:pt>
+                <c:pt idx="16">
+                  <c:v>231.86364132284919</c:v>
+                </c:pt>
+                <c:pt idx="17">
+                  <c:v>233.83646981339922</c:v>
+                </c:pt>
+                <c:pt idx="18">
+                  <c:v>235.80591468516485</c:v>
+                </c:pt>
+                <c:pt idx="19">
+                  <c:v>237.77177899530011</c:v>
+                </c:pt>
+                <c:pt idx="20">
+                  <c:v>239.73386615901225</c:v>
+                </c:pt>
+                <c:pt idx="21">
+                  <c:v>241.69197996921991</c:v>
+                </c:pt>
+                <c:pt idx="22">
+                  <c:v>243.64592461617386</c:v>
+                </c:pt>
+                <c:pt idx="23">
+                  <c:v>245.59550470703769</c:v>
+                </c:pt>
+                <c:pt idx="24">
+                  <c:v>247.54052528542692</c:v>
+                </c:pt>
+                <c:pt idx="25">
+                  <c:v>249.48079185090458</c:v>
+                </c:pt>
+                <c:pt idx="26">
+                  <c:v>251.41611037843103</c:v>
+                </c:pt>
+                <c:pt idx="27">
+                  <c:v>253.34628733776623</c:v>
+                </c:pt>
+                <c:pt idx="28">
+                  <c:v>255.27112971282276</c:v>
+                </c:pt>
+                <c:pt idx="29">
+                  <c:v>257.1904450209671</c:v>
+                </c:pt>
+                <c:pt idx="30">
+                  <c:v>259.10404133226791</c:v>
+                </c:pt>
+                <c:pt idx="31">
+                  <c:v>261.01172728868869</c:v>
+                </c:pt>
+                <c:pt idx="32">
+                  <c:v>262.91331212322353</c:v>
+                </c:pt>
+                <c:pt idx="33">
+                  <c:v>264.80860567897366</c:v>
+                </c:pt>
+                <c:pt idx="34">
+                  <c:v>266.69741842816291</c:v>
+                </c:pt>
+                <c:pt idx="35">
+                  <c:v>268.57956149109026</c:v>
+                </c:pt>
+                <c:pt idx="36">
+                  <c:v>270.454846655018</c:v>
+                </c:pt>
+                <c:pt idx="37">
+                  <c:v>272.32308639299242</c:v>
+                </c:pt>
+                <c:pt idx="38">
+                  <c:v>274.18409388259653</c:v>
+                </c:pt>
+                <c:pt idx="39">
+                  <c:v>276.03768302463232</c:v>
+                </c:pt>
+                <c:pt idx="40">
+                  <c:v>277.88366846173011</c:v>
+                </c:pt>
+                <c:pt idx="41">
+                  <c:v>279.72186559688458</c:v>
+                </c:pt>
+                <c:pt idx="42">
+                  <c:v>281.55209061191402</c:v>
+                </c:pt>
+                <c:pt idx="43">
+                  <c:v>283.37416048584214</c:v>
+                </c:pt>
+                <c:pt idx="44">
+                  <c:v>285.18789301319993</c:v>
+                </c:pt>
+                <c:pt idx="45">
+                  <c:v>286.99310682224603</c:v>
+                </c:pt>
+                <c:pt idx="46">
+                  <c:v>288.78962139310397</c:v>
+                </c:pt>
+                <c:pt idx="47">
+                  <c:v>290.57725707581369</c:v>
+                </c:pt>
+                <c:pt idx="48">
+                  <c:v>292.35583510829656</c:v>
+                </c:pt>
+                <c:pt idx="49">
+                  <c:v>294.12517763423159</c:v>
+                </c:pt>
+                <c:pt idx="50">
+                  <c:v>295.88510772084061</c:v>
+                </c:pt>
+                <c:pt idx="51">
+                  <c:v>297.63544937658151</c:v>
+                </c:pt>
+                <c:pt idx="52">
+                  <c:v>299.37602756874736</c:v>
+                </c:pt>
+                <c:pt idx="53">
+                  <c:v>301.10666824096938</c:v>
+                </c:pt>
+                <c:pt idx="54">
+                  <c:v>302.82719833062265</c:v>
+                </c:pt>
+                <c:pt idx="55">
+                  <c:v>304.53744578613185</c:v>
+                </c:pt>
+                <c:pt idx="56">
+                  <c:v>306.23723958417668</c:v>
+                </c:pt>
+                <c:pt idx="57">
+                  <c:v>307.92640974679387</c:v>
+                </c:pt>
+                <c:pt idx="58">
+                  <c:v>309.60478735837472</c:v>
+                </c:pt>
+                <c:pt idx="59">
+                  <c:v>311.27220458255675</c:v>
+                </c:pt>
+                <c:pt idx="60">
+                  <c:v>312.92849467900709</c:v>
+                </c:pt>
+                <c:pt idx="61">
+                  <c:v>314.57349202009624</c:v>
+                </c:pt>
+                <c:pt idx="62">
+                  <c:v>316.20703210746103</c:v>
+                </c:pt>
+                <c:pt idx="63">
+                  <c:v>317.82895158845389</c:v>
+                </c:pt>
+                <c:pt idx="64">
+                  <c:v>319.43908827247844</c:v>
+                </c:pt>
+                <c:pt idx="65">
+                  <c:v>321.03728114720792</c:v>
+                </c:pt>
+                <c:pt idx="66">
+                  <c:v>322.62337039468673</c:v>
+                </c:pt>
+                <c:pt idx="67">
+                  <c:v>324.19719740731193</c:v>
+                </c:pt>
+                <c:pt idx="68">
+                  <c:v>325.75860480369374</c:v>
+                </c:pt>
+                <c:pt idx="69">
+                  <c:v>327.3074364443936</c:v>
+                </c:pt>
+                <c:pt idx="70">
+                  <c:v>328.84353744753821</c:v>
+                </c:pt>
+                <c:pt idx="71">
+                  <c:v>330.36675420430731</c:v>
+                </c:pt>
+                <c:pt idx="72">
+                  <c:v>331.87693439429461</c:v>
+                </c:pt>
+                <c:pt idx="73">
+                  <c:v>333.37392700073957</c:v>
+                </c:pt>
+                <c:pt idx="74">
+                  <c:v>334.85758232562898</c:v>
+                </c:pt>
+                <c:pt idx="75">
+                  <c:v>336.32775200466682</c:v>
+                </c:pt>
+                <c:pt idx="76">
+                  <c:v>337.78428902211027</c:v>
+                </c:pt>
+                <c:pt idx="77">
+                  <c:v>339.22704772547138</c:v>
+                </c:pt>
+                <c:pt idx="78">
+                  <c:v>340.65588384008203</c:v>
+                </c:pt>
+                <c:pt idx="79">
+                  <c:v>342.07065448352159</c:v>
+                </c:pt>
+                <c:pt idx="80">
+                  <c:v>343.47121817990455</c:v>
+                </c:pt>
+                <c:pt idx="81">
+                  <c:v>344.85743487402851</c:v>
+                </c:pt>
+                <c:pt idx="82">
+                  <c:v>346.22916594537912</c:v>
+                </c:pt>
+                <c:pt idx="83">
+                  <c:v>347.58627422199254</c:v>
+                </c:pt>
+                <c:pt idx="84">
+                  <c:v>348.92862399417186</c:v>
+                </c:pt>
+                <c:pt idx="85">
+                  <c:v>350.25608102805853</c:v>
+                </c:pt>
+                <c:pt idx="86">
+                  <c:v>351.56851257905538</c:v>
+                </c:pt>
+                <c:pt idx="87">
+                  <c:v>352.865787405101</c:v>
+                </c:pt>
+                <c:pt idx="88">
+                  <c:v>354.14777577979385</c:v>
+                </c:pt>
+                <c:pt idx="89">
+                  <c:v>355.41434950536478</c:v>
+                </c:pt>
+                <c:pt idx="90">
+                  <c:v>356.66538192549672</c:v>
+                </c:pt>
+                <c:pt idx="91">
+                  <c:v>357.9007479379901</c:v>
+                </c:pt>
+                <c:pt idx="92">
+                  <c:v>359.12032400727321</c:v>
+                </c:pt>
+                <c:pt idx="93">
+                  <c:v>360.32398817675545</c:v>
+                </c:pt>
+                <c:pt idx="94">
+                  <c:v>361.51162008102284</c:v>
+                </c:pt>
+                <c:pt idx="95">
+                  <c:v>362.68310095787479</c:v>
+                </c:pt>
+                <c:pt idx="96">
+                  <c:v>363.83831366019967</c:v>
+                </c:pt>
+                <c:pt idx="97">
+                  <c:v>364.97714266769003</c:v>
+                </c:pt>
+                <c:pt idx="98">
+                  <c:v>366.09947409839413</c:v>
+                </c:pt>
+                <c:pt idx="99">
+                  <c:v>367.20519572010414</c:v>
+                </c:pt>
+                <c:pt idx="100">
+                  <c:v>368.2941969615793</c:v>
+                </c:pt>
+                <c:pt idx="101">
+                  <c:v>369.36636892360303</c:v>
+                </c:pt>
+                <c:pt idx="102">
+                  <c:v>370.42160438987258</c:v>
+                </c:pt>
+                <c:pt idx="103">
+                  <c:v>371.45979783772066</c:v>
+                </c:pt>
+                <c:pt idx="104">
+                  <c:v>372.48084544866765</c:v>
+                </c:pt>
+                <c:pt idx="105">
+                  <c:v>373.48464511880343</c:v>
+                </c:pt>
+                <c:pt idx="106">
+                  <c:v>374.47109646899725</c:v>
+                </c:pt>
+                <c:pt idx="107">
+                  <c:v>375.4401008549363</c:v>
+                </c:pt>
+                <c:pt idx="108">
+                  <c:v>376.3915613769895</c:v>
+                </c:pt>
+                <c:pt idx="109">
+                  <c:v>377.32538288989747</c:v>
+                </c:pt>
+                <c:pt idx="110">
+                  <c:v>378.24147201228709</c:v>
+                </c:pt>
+                <c:pt idx="111">
+                  <c:v>379.13973713600956</c:v>
+                </c:pt>
+                <c:pt idx="112">
+                  <c:v>380.02008843530098</c:v>
+                </c:pt>
+                <c:pt idx="113">
+                  <c:v>380.88243787576516</c:v>
+                </c:pt>
+                <c:pt idx="114">
+                  <c:v>381.72669922317664</c:v>
+                </c:pt>
+                <c:pt idx="115">
+                  <c:v>382.55278805210423</c:v>
+                </c:pt>
+                <c:pt idx="116">
+                  <c:v>383.36062175435336</c:v>
+                </c:pt>
+                <c:pt idx="117">
+                  <c:v>384.15011954722712</c:v>
+                </c:pt>
+                <c:pt idx="118">
+                  <c:v>384.92120248160404</c:v>
+                </c:pt>
+                <c:pt idx="119">
+                  <c:v>385.67379344983328</c:v>
+                </c:pt>
+                <c:pt idx="120">
+                  <c:v>386.40781719344523</c:v>
+                </c:pt>
+                <c:pt idx="121">
+                  <c:v>387.12320031067713</c:v>
+                </c:pt>
+                <c:pt idx="122">
+                  <c:v>387.81987126381352</c:v>
+                </c:pt>
+                <c:pt idx="123">
+                  <c:v>388.49776038633951</c:v>
+                </c:pt>
+                <c:pt idx="124">
+                  <c:v>389.1567998899078</c:v>
+                </c:pt>
+                <c:pt idx="125">
+                  <c:v>389.7969238711172</c:v>
+                </c:pt>
+                <c:pt idx="126">
+                  <c:v>390.41806831810311</c:v>
+                </c:pt>
+                <c:pt idx="127">
+                  <c:v>391.02017111693846</c:v>
+                </c:pt>
+                <c:pt idx="128">
+                  <c:v>391.60317205784497</c:v>
+                </c:pt>
+                <c:pt idx="129">
+                  <c:v>392.1670128412145</c:v>
+                </c:pt>
+                <c:pt idx="130">
+                  <c:v>392.71163708343863</c:v>
+                </c:pt>
+                <c:pt idx="131">
+                  <c:v>393.23699032254683</c:v>
+                </c:pt>
+                <c:pt idx="132">
+                  <c:v>393.74302002365306</c:v>
+                </c:pt>
+                <c:pt idx="133">
+                  <c:v>394.22967558420891</c:v>
+                </c:pt>
+                <c:pt idx="134">
+                  <c:v>394.69690833906384</c:v>
+                </c:pt>
+                <c:pt idx="135">
+                  <c:v>395.14467156533181</c:v>
+                </c:pt>
+                <c:pt idx="136">
+                  <c:v>395.57292048706324</c:v>
+                </c:pt>
+                <c:pt idx="137">
+                  <c:v>395.98161227972287</c:v>
+                </c:pt>
+                <c:pt idx="138">
+                  <c:v>396.37070607447197</c:v>
+                </c:pt>
+                <c:pt idx="139">
+                  <c:v>396.74016296225534</c:v>
+                </c:pt>
+                <c:pt idx="140">
+                  <c:v>397.08994599769204</c:v>
+                </c:pt>
+                <c:pt idx="141">
+                  <c:v>397.42002020277005</c:v>
+                </c:pt>
+                <c:pt idx="142">
+                  <c:v>397.73035257034394</c:v>
+                </c:pt>
+                <c:pt idx="143">
+                  <c:v>398.02091206743557</c:v>
+                </c:pt>
+                <c:pt idx="144">
+                  <c:v>398.29166963833728</c:v>
+                </c:pt>
+                <c:pt idx="145">
+                  <c:v>398.5425982075177</c:v>
+                </c:pt>
+                <c:pt idx="146">
+                  <c:v>398.77367268232899</c:v>
+                </c:pt>
+                <c:pt idx="147">
+                  <c:v>398.98486995551616</c:v>
+                </c:pt>
+                <c:pt idx="148">
+                  <c:v>399.17616890752799</c:v>
+                </c:pt>
+                <c:pt idx="149">
+                  <c:v>399.34755040862865</c:v>
+                </c:pt>
+                <c:pt idx="150">
+                  <c:v>399.49899732081087</c:v>
+                </c:pt>
+                <c:pt idx="151">
+                  <c:v>399.63049449950961</c:v>
+                </c:pt>
+                <c:pt idx="152">
+                  <c:v>399.7420287951166</c:v>
+                </c:pt>
+                <c:pt idx="153">
+                  <c:v>399.8335890542952</c:v>
+                </c:pt>
+                <c:pt idx="154">
+                  <c:v>399.90516612109582</c:v>
+                </c:pt>
+                <c:pt idx="155">
+                  <c:v>399.95675283787136</c:v>
+                </c:pt>
+                <c:pt idx="156">
+                  <c:v>399.98834404599324</c:v>
+                </c:pt>
+                <c:pt idx="157">
+                  <c:v>399.99993658636691</c:v>
+                </c:pt>
+                <c:pt idx="158">
+                  <c:v>399.99152929974798</c:v>
+                </c:pt>
+                <c:pt idx="159">
+                  <c:v>399.96312302685817</c:v>
+                </c:pt>
+                <c:pt idx="160">
+                  <c:v>399.91472060830102</c:v>
+                </c:pt>
+                <c:pt idx="161">
+                  <c:v>399.84632688427814</c:v>
+                </c:pt>
+                <c:pt idx="162">
+                  <c:v>399.75794869410481</c:v>
+                </c:pt>
+                <c:pt idx="163">
+                  <c:v>399.64959487552653</c:v>
+                </c:pt>
+                <c:pt idx="164">
+                  <c:v>399.52127626383469</c:v>
+                </c:pt>
+                <c:pt idx="165">
+                  <c:v>399.37300569078377</c:v>
+                </c:pt>
+                <c:pt idx="166">
+                  <c:v>399.20479798330734</c:v>
+                </c:pt>
+                <c:pt idx="167">
+                  <c:v>399.01666996203608</c:v>
+                </c:pt>
+                <c:pt idx="168">
+                  <c:v>398.8086404396152</c:v>
+                </c:pt>
+                <c:pt idx="169">
+                  <c:v>398.5807302188237</c:v>
+                </c:pt>
+                <c:pt idx="170">
+                  <c:v>398.33296209049371</c:v>
+                </c:pt>
+                <c:pt idx="171">
+                  <c:v>398.0653608312316</c:v>
+                </c:pt>
+                <c:pt idx="172">
+                  <c:v>397.77795320094026</c:v>
+                </c:pt>
+                <c:pt idx="173">
+                  <c:v>397.47076794014328</c:v>
+                </c:pt>
+                <c:pt idx="174">
+                  <c:v>397.14383576711066</c:v>
+                </c:pt>
+                <c:pt idx="175">
+                  <c:v>396.79718937478742</c:v>
+                </c:pt>
+                <c:pt idx="176">
+                  <c:v>396.43086342752372</c:v>
+                </c:pt>
+                <c:pt idx="177">
+                  <c:v>396.0448945576091</c:v>
+                </c:pt>
+                <c:pt idx="178">
+                  <c:v>395.63932136160895</c:v>
+                </c:pt>
+                <c:pt idx="179">
+                  <c:v>395.21418439650483</c:v>
+                </c:pt>
+                <c:pt idx="180">
+                  <c:v>394.76952617563904</c:v>
+                </c:pt>
+                <c:pt idx="181">
+                  <c:v>394.30539116446306</c:v>
+                </c:pt>
+                <c:pt idx="182">
+                  <c:v>393.82182577609126</c:v>
+                </c:pt>
+                <c:pt idx="183">
+                  <c:v>393.31887836665953</c:v>
+                </c:pt>
+                <c:pt idx="184">
+                  <c:v>392.79659923048962</c:v>
+                </c:pt>
+                <c:pt idx="185">
+                  <c:v>392.25504059506</c:v>
+                </c:pt>
+                <c:pt idx="186">
+                  <c:v>391.69425661578282</c:v>
+                </c:pt>
+                <c:pt idx="187">
+                  <c:v>391.1143033705888</c:v>
+                </c:pt>
+                <c:pt idx="188">
+                  <c:v>390.51523885431908</c:v>
+                </c:pt>
+                <c:pt idx="189">
+                  <c:v>389.89712297292613</c:v>
+                </c:pt>
+                <c:pt idx="190">
+                  <c:v>389.2600175374829</c:v>
+                </c:pt>
+                <c:pt idx="191">
+                  <c:v>388.60398625800212</c:v>
+                </c:pt>
+                <c:pt idx="192">
+                  <c:v>387.92909473706499</c:v>
+                </c:pt>
+                <c:pt idx="193">
+                  <c:v>387.23541046326125</c:v>
+                </c:pt>
+                <c:pt idx="194">
+                  <c:v>386.52300280444013</c:v>
+                </c:pt>
+                <c:pt idx="195">
+                  <c:v>385.79194300077387</c:v>
+                </c:pt>
+                <c:pt idx="196">
+                  <c:v>385.04230415763368</c:v>
+                </c:pt>
+                <c:pt idx="197">
+                  <c:v>384.27416123827908</c:v>
+                </c:pt>
+                <c:pt idx="198">
+                  <c:v>383.48759105636196</c:v>
+                </c:pt>
+                <c:pt idx="199">
+                  <c:v>382.68267226824503</c:v>
+                </c:pt>
+                <c:pt idx="200">
+                  <c:v>381.85948536513638</c:v>
+                </c:pt>
+                <c:pt idx="201">
+                  <c:v>381.01811266504023</c:v>
+                </c:pt>
+                <c:pt idx="202">
+                  <c:v>380.15863830452543</c:v>
+                </c:pt>
+                <c:pt idx="203">
+                  <c:v>379.281148230312</c:v>
+                </c:pt>
+                <c:pt idx="204">
+                  <c:v>378.38573019067593</c:v>
+                </c:pt>
+                <c:pt idx="205">
+                  <c:v>377.4724737266751</c:v>
+                </c:pt>
+                <c:pt idx="206">
+                  <c:v>376.54147016319484</c:v>
+                </c:pt>
+                <c:pt idx="207">
+                  <c:v>375.5928125998156</c:v>
+                </c:pt>
+                <c:pt idx="208">
+                  <c:v>374.62659590150326</c:v>
+                </c:pt>
+                <c:pt idx="209">
+                  <c:v>373.64291668912256</c:v>
+                </c:pt>
+                <c:pt idx="210">
+                  <c:v>372.64187332977474</c:v>
+                </c:pt>
+                <c:pt idx="211">
+                  <c:v>371.62356592696176</c:v>
+                </c:pt>
+                <c:pt idx="212">
+                  <c:v>370.58809631057522</c:v>
+                </c:pt>
+                <c:pt idx="213">
+                  <c:v>369.53556802671397</c:v>
+                </c:pt>
+                <c:pt idx="214">
+                  <c:v>368.46608632732909</c:v>
+                </c:pt>
+                <c:pt idx="215">
+                  <c:v>367.37975815969958</c:v>
+                </c:pt>
+                <c:pt idx="216">
+                  <c:v>366.27669215573661</c:v>
+                </c:pt>
+                <c:pt idx="217">
+                  <c:v>365.1569986211216</c:v>
+                </c:pt>
+                <c:pt idx="218">
+                  <c:v>364.02078952427485</c:v>
+                </c:pt>
+                <c:pt idx="219">
+                  <c:v>362.86817848515921</c:v>
+                </c:pt>
+                <c:pt idx="220">
+                  <c:v>361.69928076391801</c:v>
+                </c:pt>
+                <c:pt idx="221">
+                  <c:v>360.51421324934944</c:v>
+                </c:pt>
+                <c:pt idx="222">
+                  <c:v>359.31309444721728</c:v>
+                </c:pt>
+                <c:pt idx="223">
+                  <c:v>358.09604446840092</c:v>
+                </c:pt>
+                <c:pt idx="224">
+                  <c:v>356.86318501688396</c:v>
+                </c:pt>
+                <c:pt idx="225">
+                  <c:v>355.61463937758424</c:v>
+                </c:pt>
+                <c:pt idx="226">
+                  <c:v>354.35053240402522</c:v>
+                </c:pt>
+                <c:pt idx="227">
+                  <c:v>353.07099050585072</c:v>
+                </c:pt>
+                <c:pt idx="228">
+                  <c:v>351.77614163618443</c:v>
+                </c:pt>
+                <c:pt idx="229">
+                  <c:v>350.46611527883414</c:v>
+                </c:pt>
+                <c:pt idx="230">
+                  <c:v>349.14104243534405</c:v>
+                </c:pt>
+                <c:pt idx="231">
+                  <c:v>347.80105561189418</c:v>
+                </c:pt>
+                <c:pt idx="232">
+                  <c:v>346.44628880605029</c:v>
+                </c:pt>
+                <c:pt idx="233">
+                  <c:v>345.0768774933639</c:v>
+                </c:pt>
+                <c:pt idx="234">
+                  <c:v>343.69295861382523</c:v>
+                </c:pt>
+                <c:pt idx="235">
+                  <c:v>342.29467055816883</c:v>
+                </c:pt>
+                <c:pt idx="236">
+                  <c:v>340.88215315403522</c:v>
+                </c:pt>
+                <c:pt idx="237">
+                  <c:v>339.45554765198756</c:v>
+                </c:pt>
+                <c:pt idx="238">
+                  <c:v>338.01499671138731</c:v>
+                </c:pt>
+                <c:pt idx="239">
+                  <c:v>336.56064438612793</c:v>
+                </c:pt>
+                <c:pt idx="240">
+                  <c:v>335.09263611023016</c:v>
+                </c:pt>
+                <c:pt idx="241">
+                  <c:v>333.61111868329817</c:v>
+                </c:pt>
+                <c:pt idx="242">
+                  <c:v>332.11624025584013</c:v>
+                </c:pt>
+                <c:pt idx="243">
+                  <c:v>330.60815031445293</c:v>
+                </c:pt>
+                <c:pt idx="244">
+                  <c:v>329.08699966687414</c:v>
+                </c:pt>
+                <c:pt idx="245">
+                  <c:v>327.5529404269007</c:v>
+                </c:pt>
+                <c:pt idx="246">
+                  <c:v>326.00612599917844</c:v>
+                </c:pt>
+                <c:pt idx="247">
+                  <c:v>324.4467110638609</c:v>
+                </c:pt>
+                <c:pt idx="248">
+                  <c:v>322.87485156114235</c:v>
+                </c:pt>
+                <c:pt idx="249">
+                  <c:v>321.29070467566294</c:v>
+                </c:pt>
+                <c:pt idx="250">
+                  <c:v>319.6944288207913</c:v>
+                </c:pt>
+                <c:pt idx="251">
+                  <c:v>318.08618362278258</c:v>
+                </c:pt>
+                <c:pt idx="252">
+                  <c:v>316.4661299048164</c:v>
+                </c:pt>
+                <c:pt idx="253">
+                  <c:v>314.83442967091452</c:v>
+                </c:pt>
+                <c:pt idx="254">
+                  <c:v>313.19124608974056</c:v>
+                </c:pt>
+                <c:pt idx="255">
+                  <c:v>311.53674347828337</c:v>
+                </c:pt>
+                <c:pt idx="256">
+                  <c:v>309.87108728542535</c:v>
+                </c:pt>
+                <c:pt idx="257">
+                  <c:v>308.19444407539771</c:v>
+                </c:pt>
+                <c:pt idx="258">
+                  <c:v>306.50698151112425</c:v>
+                </c:pt>
+                <c:pt idx="259">
+                  <c:v>304.80886833745524</c:v>
+                </c:pt>
+                <c:pt idx="260">
+                  <c:v>303.10027436429283</c:v>
+                </c:pt>
+                <c:pt idx="261">
+                  <c:v>301.3813704496107</c:v>
+                </c:pt>
+                <c:pt idx="262">
+                  <c:v>299.65232848236769</c:v>
+                </c:pt>
+                <c:pt idx="263">
+                  <c:v>297.91332136531992</c:v>
+                </c:pt>
+                <c:pt idx="264">
+                  <c:v>296.16452299772965</c:v>
+                </c:pt>
+                <c:pt idx="265">
+                  <c:v>294.40610825797654</c:v>
+                </c:pt>
+                <c:pt idx="266">
+                  <c:v>292.63825298606901</c:v>
+                </c:pt>
+                <c:pt idx="267">
+                  <c:v>290.86113396606129</c:v>
+                </c:pt>
+                <c:pt idx="268">
+                  <c:v>289.0749289083742</c:v>
+                </c:pt>
+                <c:pt idx="269">
+                  <c:v>287.27981643202526</c:v>
+                </c:pt>
+                <c:pt idx="270">
+                  <c:v>285.47597604676594</c:v>
+                </c:pt>
+                <c:pt idx="271">
+                  <c:v>283.66358813513182</c:v>
+                </c:pt>
+                <c:pt idx="272">
+                  <c:v>281.84283393440347</c:v>
+                </c:pt>
+                <c:pt idx="273">
+                  <c:v>280.01389551848388</c:v>
+                </c:pt>
+                <c:pt idx="274">
+                  <c:v>278.17695577969045</c:v>
+                </c:pt>
+                <c:pt idx="275">
+                  <c:v>276.33219841046633</c:v>
+                </c:pt>
+                <c:pt idx="276">
+                  <c:v>274.47980788501116</c:v>
+                </c:pt>
+                <c:pt idx="277">
+                  <c:v>272.61996944083364</c:v>
+                </c:pt>
+                <c:pt idx="278">
+                  <c:v>270.75286906022859</c:v>
+                </c:pt>
+                <c:pt idx="279">
+                  <c:v>268.87869345167803</c:v>
+                </c:pt>
+                <c:pt idx="280">
+                  <c:v>266.99763003118102</c:v>
+                </c:pt>
+                <c:pt idx="281">
+                  <c:v>265.109866903512</c:v>
+                </c:pt>
+                <c:pt idx="282">
+                  <c:v>263.21559284341078</c:v>
+                </c:pt>
+                <c:pt idx="283">
+                  <c:v>261.31499727670462</c:v>
+                </c:pt>
+                <c:pt idx="284">
+                  <c:v>259.40827026136651</c:v>
+                </c:pt>
+                <c:pt idx="285">
+                  <c:v>257.49560246850888</c:v>
+                </c:pt>
+                <c:pt idx="286">
+                  <c:v>255.57718516331735</c:v>
+                </c:pt>
+                <c:pt idx="287">
+                  <c:v>253.65321018592357</c:v>
+                </c:pt>
+                <c:pt idx="288">
+                  <c:v>251.72386993222216</c:v>
+                </c:pt>
+                <c:pt idx="289">
+                  <c:v>249.78935733463052</c:v>
+                </c:pt>
+                <c:pt idx="290">
+                  <c:v>247.84986584279648</c:v>
+                </c:pt>
+                <c:pt idx="291">
+                  <c:v>245.90558940425285</c:v>
+                </c:pt>
+                <c:pt idx="292">
+                  <c:v>243.95672244502339</c:v>
+                </c:pt>
+                <c:pt idx="293">
+                  <c:v>242.00345985017984</c:v>
+                </c:pt>
+                <c:pt idx="294">
+                  <c:v>240.0459969443541</c:v>
+                </c:pt>
+                <c:pt idx="295">
+                  <c:v>238.08452947220542</c:v>
+                </c:pt>
+                <c:pt idx="296">
+                  <c:v>236.11925357884658</c:v>
+                </c:pt>
+                <c:pt idx="297">
+                  <c:v>234.15036579022907</c:v>
+                </c:pt>
+                <c:pt idx="298">
+                  <c:v>232.17806299349115</c:v>
+                </c:pt>
+                <c:pt idx="299">
+                  <c:v>230.20254241726877</c:v>
+                </c:pt>
+                <c:pt idx="300">
+                  <c:v>228.22400161197345</c:v>
+                </c:pt>
+                <c:pt idx="301">
+                  <c:v>226.24263843003683</c:v>
+                </c:pt>
+                <c:pt idx="302">
+                  <c:v>224.25865100612594</c:v>
+                </c:pt>
+                <c:pt idx="303">
+                  <c:v>222.27223773732999</c:v>
+                </c:pt>
+                <c:pt idx="304">
+                  <c:v>220.28359726332036</c:v>
+                </c:pt>
+                <c:pt idx="305">
+                  <c:v>218.29292844648745</c:v>
+                </c:pt>
+                <c:pt idx="306">
+                  <c:v>216.30043035205381</c:v>
+                </c:pt>
+                <c:pt idx="307">
+                  <c:v>214.30630222816873</c:v>
+                </c:pt>
+                <c:pt idx="308">
+                  <c:v>212.31074348598264</c:v>
+                </c:pt>
+                <c:pt idx="309">
+                  <c:v>210.31395367970691</c:v>
+                </c:pt>
+                <c:pt idx="310">
+                  <c:v>208.31613248665809</c:v>
+                </c:pt>
+                <c:pt idx="311">
+                  <c:v>206.31747968729078</c:v>
+                </c:pt>
+                <c:pt idx="312">
+                  <c:v>204.31819514521919</c:v>
+                </c:pt>
+                <c:pt idx="313">
+                  <c:v>202.31847878723167</c:v>
+                </c:pt>
+                <c:pt idx="314">
+                  <c:v>200.31853058329736</c:v>
+                </c:pt>
+                <c:pt idx="315">
+                  <c:v>198.31855052657028</c:v>
+                </c:pt>
+                <c:pt idx="316">
+                  <c:v>196.31873861338923</c:v>
+                </c:pt>
+                <c:pt idx="317">
+                  <c:v>194.31929482327925</c:v>
+                </c:pt>
+                <c:pt idx="318">
+                  <c:v>192.32041909895293</c:v>
+                </c:pt>
+                <c:pt idx="319">
+                  <c:v>190.32231132631716</c:v>
+                </c:pt>
+                <c:pt idx="320">
+                  <c:v>188.32517131448398</c:v>
+                </c:pt>
+                <c:pt idx="321">
+                  <c:v>186.32919877579045</c:v>
+                </c:pt>
+                <c:pt idx="322">
+                  <c:v>184.33459330582693</c:v>
+                </c:pt>
+                <c:pt idx="323">
+                  <c:v>182.34155436347848</c:v>
+                </c:pt>
+                <c:pt idx="324">
+                  <c:v>180.35028125097827</c:v>
+                </c:pt>
+                <c:pt idx="325">
+                  <c:v>178.36097309397832</c:v>
+                </c:pt>
+                <c:pt idx="326">
+                  <c:v>176.37382882163652</c:v>
+                </c:pt>
+                <c:pt idx="327">
+                  <c:v>174.38904714672407</c:v>
+                </c:pt>
+                <c:pt idx="328">
+                  <c:v>172.40682654575463</c:v>
+                </c:pt>
+                <c:pt idx="329">
+                  <c:v>170.42736523913629</c:v>
+                </c:pt>
+                <c:pt idx="330">
+                  <c:v>168.45086117135037</c:v>
+                </c:pt>
+                <c:pt idx="331">
+                  <c:v>166.47751199115635</c:v>
+                </c:pt>
+                <c:pt idx="332">
+                  <c:v>164.50751503182798</c:v>
+                </c:pt>
+                <c:pt idx="333">
+                  <c:v>162.54106729141938</c:v>
+                </c:pt>
+                <c:pt idx="334">
+                  <c:v>160.57836541306602</c:v>
+                </c:pt>
+                <c:pt idx="335">
+                  <c:v>158.61960566532005</c:v>
+                </c:pt>
+                <c:pt idx="336">
+                  <c:v>156.66498392252407</c:v>
+                </c:pt>
+                <c:pt idx="337">
+                  <c:v>154.71469564522337</c:v>
+                </c:pt>
+                <c:pt idx="338">
+                  <c:v>152.76893586062062</c:v>
+                </c:pt>
+                <c:pt idx="339">
+                  <c:v>150.82789914307261</c:v>
+                </c:pt>
+                <c:pt idx="340">
+                  <c:v>148.89177959463376</c:v>
+                </c:pt>
+                <c:pt idx="341">
+                  <c:v>146.96077082564534</c:v>
+                </c:pt>
+                <c:pt idx="342">
+                  <c:v>145.0350659353752</c:v>
+                </c:pt>
+                <c:pt idx="343">
+                  <c:v>143.1148574927075</c:v>
+                </c:pt>
+                <c:pt idx="344">
+                  <c:v>141.20033751688646</c:v>
+                </c:pt>
+                <c:pt idx="345">
+                  <c:v>139.29169745831413</c:v>
+                </c:pt>
+                <c:pt idx="346">
+                  <c:v>137.38912817940596</c:v>
+                </c:pt>
+                <c:pt idx="347">
+                  <c:v>135.4928199355042</c:v>
+                </c:pt>
+                <c:pt idx="348">
+                  <c:v>133.60296235585318</c:v>
+                </c:pt>
+                <c:pt idx="349">
+                  <c:v>131.71974442463579</c:v>
+                </c:pt>
+                <c:pt idx="350">
+                  <c:v>129.84335446207604</c:v>
+                </c:pt>
+                <c:pt idx="351">
+                  <c:v>127.97398010560637</c:v>
+                </c:pt>
+                <c:pt idx="352">
+                  <c:v>126.11180829110458</c:v>
+                </c:pt>
+                <c:pt idx="353">
+                  <c:v>124.25702523420048</c:v>
+                </c:pt>
+                <c:pt idx="354">
+                  <c:v>122.40981641165394</c:v>
+                </c:pt>
+                <c:pt idx="355">
+                  <c:v>120.57036654280805</c:v>
+                </c:pt>
+                <c:pt idx="356">
+                  <c:v>118.73885957111663</c:v>
+                </c:pt>
+                <c:pt idx="357">
+                  <c:v>116.91547864575082</c:v>
+                </c:pt>
+                <c:pt idx="358">
+                  <c:v>115.10040610328348</c:v>
+                </c:pt>
+                <c:pt idx="359">
+                  <c:v>113.29382344945645</c:v>
+                </c:pt>
+                <c:pt idx="360">
+                  <c:v>111.49591134102951</c:v>
+                </c:pt>
+                <c:pt idx="361">
+                  <c:v>109.70684956771537</c:v>
+                </c:pt>
+                <c:pt idx="362">
+                  <c:v>107.92681703420034</c:v>
+                </c:pt>
+                <c:pt idx="363">
+                  <c:v>106.15599174225457</c:v>
+                </c:pt>
+                <c:pt idx="364">
+                  <c:v>104.39455077293142</c:v>
+                </c:pt>
+                <c:pt idx="365">
+                  <c:v>102.64267026886013</c:v>
+                </c:pt>
+                <c:pt idx="366">
+                  <c:v>100.90052541663101</c:v>
+                </c:pt>
+                <c:pt idx="367">
+                  <c:v>99.168290429277704</c:v>
+                </c:pt>
+                <c:pt idx="368">
+                  <c:v>97.446138528855244</c:v>
+                </c:pt>
+                <c:pt idx="369">
+                  <c:v>95.734241929118696</c:v>
+                </c:pt>
+                <c:pt idx="370">
+                  <c:v>94.032771818301313</c:v>
+                </c:pt>
+                <c:pt idx="371">
+                  <c:v>92.341898341996469</c:v>
+                </c:pt>
+                <c:pt idx="372">
+                  <c:v>90.661790586142558</c:v>
+                </c:pt>
+                <c:pt idx="373">
+                  <c:v>88.992616560115238</c:v>
+                </c:pt>
+                <c:pt idx="374">
+                  <c:v>87.334543179925987</c:v>
+                </c:pt>
+                <c:pt idx="375">
+                  <c:v>85.687736251531248</c:v>
+                </c:pt>
+                <c:pt idx="376">
+                  <c:v>84.052360454251442</c:v>
+                </c:pt>
+                <c:pt idx="377">
+                  <c:v>82.428579324303456</c:v>
+                </c:pt>
+                <c:pt idx="378">
+                  <c:v>80.816555238447222</c:v>
+                </c:pt>
+                <c:pt idx="379">
+                  <c:v>79.21644939774788</c:v>
+                </c:pt>
+                <c:pt idx="380">
+                  <c:v>77.628421811456221</c:v>
+                </c:pt>
+                <c:pt idx="381">
+                  <c:v>76.052631281007336</c:v>
+                </c:pt>
+                <c:pt idx="382">
+                  <c:v>74.489235384141338</c:v>
+                </c:pt>
+                <c:pt idx="383">
+                  <c:v>72.93839045914487</c:v>
+                </c:pt>
+                <c:pt idx="384">
+                  <c:v>71.400251589218243</c:v>
+                </c:pt>
+                <c:pt idx="385">
+                  <c:v>69.874972586966521</c:v>
+                </c:pt>
+                <c:pt idx="386">
+                  <c:v>68.362705979019012</c:v>
+                </c:pt>
+                <c:pt idx="387">
+                  <c:v>66.863602990776172</c:v>
+                </c:pt>
+                <c:pt idx="388">
+                  <c:v>65.377813531287671</c:v>
+                </c:pt>
+                <c:pt idx="389">
+                  <c:v>63.905486178261185</c:v>
+                </c:pt>
+                <c:pt idx="390">
+                  <c:v>62.446768163205235</c:v>
+                </c:pt>
+                <c:pt idx="391">
+                  <c:v>61.001805356705603</c:v>
+                </c:pt>
+                <c:pt idx="392">
+                  <c:v>59.570742253838915</c:v>
+                </c:pt>
+                <c:pt idx="393">
+                  <c:v>58.153721959722759</c:v>
+                </c:pt>
+                <c:pt idx="394">
+                  <c:v>56.750886175205892</c:v>
+                </c:pt>
+                <c:pt idx="395">
+                  <c:v>55.362375182697576</c:v>
+                </c:pt>
+                <c:pt idx="396">
+                  <c:v>53.988327832140101</c:v>
+                </c:pt>
+                <c:pt idx="397">
+                  <c:v>52.628881527123326</c:v>
+                </c:pt>
+                <c:pt idx="398">
+                  <c:v>51.284172211145062</c:v>
+                </c:pt>
+                <c:pt idx="399">
+                  <c:v>49.954334354016197</c:v>
+                </c:pt>
+                <c:pt idx="400">
+                  <c:v>48.639500938414358</c:v>
+                </c:pt>
+                <c:pt idx="401">
+                  <c:v>47.339803446585336</c:v>
+                </c:pt>
+                <c:pt idx="402">
+                  <c:v>46.055371847195232</c:v>
+                </c:pt>
+                <c:pt idx="403">
+                  <c:v>44.786334582333552</c:v>
+                </c:pt>
+                <c:pt idx="404">
+                  <c:v>43.532818554669433</c:v>
+                </c:pt>
+                <c:pt idx="405">
+                  <c:v>42.294949114760982</c:v>
+                </c:pt>
+                <c:pt idx="406">
+                  <c:v>41.07285004852065</c:v>
+                </c:pt>
+                <c:pt idx="407">
+                  <c:v>39.866643564836465</c:v>
+                </c:pt>
+                <c:pt idx="408">
+                  <c:v>38.676450283351897</c:v>
+                </c:pt>
+                <c:pt idx="409">
+                  <c:v>37.502389222403139</c:v>
+                </c:pt>
+                <c:pt idx="410">
+                  <c:v>36.344577787117942</c:v>
+                </c:pt>
+                <c:pt idx="411">
+                  <c:v>35.203131757674839</c:v>
+                </c:pt>
+                <c:pt idx="412">
+                  <c:v>34.078165277725816</c:v>
+                </c:pt>
+                <c:pt idx="413">
+                  <c:v>32.969790842981297</c:v>
+                </c:pt>
+                <c:pt idx="414">
+                  <c:v>31.878119289961091</c:v>
+                </c:pt>
+                <c:pt idx="415">
+                  <c:v>30.803259784910693</c:v>
+                </c:pt>
+                <c:pt idx="416">
+                  <c:v>29.7453198128851</c:v>
+                </c:pt>
+                <c:pt idx="417">
+                  <c:v>28.704405166999777</c:v>
+                </c:pt>
+                <c:pt idx="418">
+                  <c:v>27.680619937851901</c:v>
+                </c:pt>
+                <c:pt idx="419">
+                  <c:v>26.674066503111135</c:v>
+                </c:pt>
+                <c:pt idx="420">
+                  <c:v>25.684845517282355</c:v>
+                </c:pt>
+                <c:pt idx="421">
+                  <c:v>24.713055901639734</c:v>
+                </c:pt>
+                <c:pt idx="422">
+                  <c:v>23.758794834334935</c:v>
+                </c:pt>
+                <c:pt idx="423">
+                  <c:v>22.822157740679472</c:v>
+                </c:pt>
+                <c:pt idx="424">
+                  <c:v>21.903238283602292</c:v>
+                </c:pt>
+                <c:pt idx="425">
+                  <c:v>21.002128354283286</c:v>
+                </c:pt>
+                <c:pt idx="426">
+                  <c:v>20.118918062964468</c:v>
+                </c:pt>
+                <c:pt idx="427">
+                  <c:v>19.253695729938926</c:v>
+                </c:pt>
+                <c:pt idx="428">
+                  <c:v>18.406547876718918</c:v>
+                </c:pt>
+                <c:pt idx="429">
+                  <c:v>17.577559217383936</c:v>
+                </c:pt>
+                <c:pt idx="430">
+                  <c:v>16.766812650109017</c:v>
+                </c:pt>
+                <c:pt idx="431">
+                  <c:v>15.974389248875269</c:v>
+                </c:pt>
+                <c:pt idx="432">
+                  <c:v>15.200368255362406</c:v>
+                </c:pt>
+                <c:pt idx="433">
+                  <c:v>14.444827071024889</c:v>
+                </c:pt>
+                <c:pt idx="434">
+                  <c:v>13.707841249351503</c:v>
+                </c:pt>
+                <c:pt idx="435">
+                  <c:v>12.989484488310183</c:v>
+                </c:pt>
+                <c:pt idx="436">
+                  <c:v>12.289828622978433</c:v>
+                </c:pt>
+                <c:pt idx="437">
+                  <c:v>11.608943618359802</c:v>
+                </c:pt>
+                <c:pt idx="438">
+                  <c:v>10.946897562387335</c:v>
+                </c:pt>
+                <c:pt idx="439">
+                  <c:v>10.303756659114867</c:v>
+                </c:pt>
+                <c:pt idx="440">
+                  <c:v>9.6795852220967902</c:v>
+                </c:pt>
+                <c:pt idx="441">
+                  <c:v>9.0744456679567236</c:v>
+                </c:pt>
+                <c:pt idx="442">
+                  <c:v>8.4883985101457711</c:v>
+                </c:pt>
+                <c:pt idx="443">
+                  <c:v>7.9215023528913378</c:v>
+                </c:pt>
+                <c:pt idx="444">
+                  <c:v>7.3738138853366593</c:v>
+                </c:pt>
+                <c:pt idx="445">
+                  <c:v>6.845387875872234</c:v>
+                </c:pt>
+                <c:pt idx="446">
+                  <c:v>6.3362771666585616</c:v>
+                </c:pt>
+                <c:pt idx="447">
+                  <c:v>5.8465326683423484</c:v>
+                </c:pt>
+                <c:pt idx="448">
+                  <c:v>5.3762033549652131</c:v>
+                </c:pt>
+                <c:pt idx="449">
+                  <c:v>4.9253362590667109</c:v>
+                </c:pt>
+                <c:pt idx="450">
+                  <c:v>4.4939764669805982</c:v>
+                </c:pt>
+                <c:pt idx="451">
+                  <c:v>4.0821671143266371</c:v>
+                </c:pt>
+                <c:pt idx="452">
+                  <c:v>3.6899493816969198</c:v>
+                </c:pt>
+                <c:pt idx="453">
+                  <c:v>3.317362490537846</c:v>
+                </c:pt>
+                <c:pt idx="454">
+                  <c:v>2.9644436992280987</c:v>
+                </c:pt>
+                <c:pt idx="455">
+                  <c:v>2.6312282993526992</c:v>
+                </c:pt>
+                <c:pt idx="456">
+                  <c:v>2.3177496121739125</c:v>
+                </c:pt>
+                <c:pt idx="457">
+                  <c:v>2.024038985299228</c:v>
+                </c:pt>
+                <c:pt idx="458">
+                  <c:v>1.7501257895466154</c:v>
+                </c:pt>
+                <c:pt idx="459">
+                  <c:v>1.4960374160073684</c:v>
+                </c:pt>
+                <c:pt idx="460">
+                  <c:v>1.2617992733071048</c:v>
+                </c:pt>
+                <c:pt idx="461">
+                  <c:v>1.047434785064894</c:v>
+                </c:pt>
+                <c:pt idx="462">
+                  <c:v>0.8529653875509382</c:v>
+                </c:pt>
+                <c:pt idx="463">
+                  <c:v>0.67841052754289422</c:v>
+                </c:pt>
+                <c:pt idx="464">
+                  <c:v>0.52378766038134472</c:v>
+                </c:pt>
+                <c:pt idx="465">
+                  <c:v>0.38911224822410873</c:v>
+                </c:pt>
+                <c:pt idx="466">
+                  <c:v>0.27439775850032788</c:v>
+                </c:pt>
+                <c:pt idx="467">
+                  <c:v>0.17965566256313537</c:v>
+                </c:pt>
+                <c:pt idx="468">
+                  <c:v>0.10489543454326622</c:v>
+                </c:pt>
+                <c:pt idx="469">
+                  <c:v>5.012455040125019E-2</c:v>
+                </c:pt>
+                <c:pt idx="470">
+                  <c:v>1.5348487179863923E-2</c:v>
+                </c:pt>
+                <c:pt idx="471">
+                  <c:v>5.7072245641620611E-4</c:v>
+                </c:pt>
+                <c:pt idx="472">
+                  <c:v>5.792733995093613E-3</c:v>
+                </c:pt>
+                <c:pt idx="473">
+                  <c:v>3.1013999599082354E-2</c:v>
+                </c:pt>
+                <c:pt idx="474">
+                  <c:v>7.6231997162864218E-2</c:v>
+                </c:pt>
+                <c:pt idx="475">
+                  <c:v>0.14144220492434556</c:v>
+                </c:pt>
+                <c:pt idx="476">
+                  <c:v>0.22663810191707512</c:v>
+                </c:pt>
+                <c:pt idx="477">
+                  <c:v>0.33181116862238014</c:v>
+                </c:pt>
+                <c:pt idx="478">
+                  <c:v>0.45695088782119342</c:v>
+                </c:pt>
+                <c:pt idx="479">
+                  <c:v>0.60204474564594079</c:v>
+                </c:pt>
+                <c:pt idx="480">
+                  <c:v>0.76707823283169319</c:v>
+                </c:pt>
+                <c:pt idx="481">
+                  <c:v>0.95203484616729384</c:v>
+                </c:pt>
+                <c:pt idx="482">
+                  <c:v>1.1568960901455227</c:v>
+                </c:pt>
+                <c:pt idx="483">
+                  <c:v>1.3816414788126963</c:v>
+                </c:pt>
+                <c:pt idx="484">
+                  <c:v>1.6262485378172187</c:v>
+                </c:pt>
+                <c:pt idx="485">
+                  <c:v>1.8906928066570856</c:v>
+                </c:pt>
+                <c:pt idx="486">
+                  <c:v>2.1749478411257428</c:v>
+                </c:pt>
+                <c:pt idx="487">
+                  <c:v>2.4789852159566408</c:v>
+                </c:pt>
+                <c:pt idx="488">
+                  <c:v>2.8027745276656333</c:v>
+                </c:pt>
+                <c:pt idx="489">
+                  <c:v>3.1462833975913611</c:v>
+                </c:pt>
+                <c:pt idx="490">
+                  <c:v>3.5094774751331101</c:v>
+                </c:pt>
+                <c:pt idx="491">
+                  <c:v>3.8923204411858308</c:v>
+                </c:pt>
+                <c:pt idx="492">
+                  <c:v>4.2947740117718922</c:v>
+                </c:pt>
+                <c:pt idx="493">
+                  <c:v>4.7167979418696291</c:v>
+                </c:pt>
+                <c:pt idx="494">
+                  <c:v>5.1583500294376847</c:v>
+                </c:pt>
+                <c:pt idx="495">
+                  <c:v>5.6193861196354078</c:v>
+                </c:pt>
+                <c:pt idx="496">
+                  <c:v>6.0998601092377669</c:v>
+                </c:pt>
+                <c:pt idx="497">
+                  <c:v>6.5997239512462897</c:v>
+                </c:pt>
+                <c:pt idx="498">
+                  <c:v>7.1189276596933269</c:v>
+                </c:pt>
+                <c:pt idx="499">
+                  <c:v>7.6574193146407765</c:v>
+                </c:pt>
+                <c:pt idx="500">
+                  <c:v>8.2151450673717648</c:v>
+                </c:pt>
+                <c:pt idx="501">
+                  <c:v>8.7920491457757919</c:v>
+                </c:pt>
+                <c:pt idx="502">
+                  <c:v>9.3880738599258677</c:v>
+                </c:pt>
+                <c:pt idx="503">
+                  <c:v>10.003159607847181</c:v>
+                </c:pt>
+                <c:pt idx="504">
+                  <c:v>10.637244881477585</c:v>
+                </c:pt>
+                <c:pt idx="505">
+                  <c:v>11.29026627281803</c:v>
+                </c:pt>
+                <c:pt idx="506">
+                  <c:v>11.962158480273587</c:v>
+                </c:pt>
+                <c:pt idx="507">
+                  <c:v>12.652854315183447</c:v>
+                </c:pt>
+                <c:pt idx="508">
+                  <c:v>13.362284708539761</c:v>
+                </c:pt>
+                <c:pt idx="509">
+                  <c:v>14.090378717894254</c:v>
+                </c:pt>
+                <c:pt idx="510">
+                  <c:v>14.837063534452767</c:v>
+                </c:pt>
+                <c:pt idx="511">
+                  <c:v>15.602264490355907</c:v>
+                </c:pt>
+                <c:pt idx="512">
+                  <c:v>16.385905066145824</c:v>
+                </c:pt>
+                <c:pt idx="513">
+                  <c:v>17.187906898417026</c:v>
+                </c:pt>
+                <c:pt idx="514">
+                  <c:v>18.008189787656249</c:v>
+                </c:pt>
+                <c:pt idx="515">
+                  <c:v>18.846671706257382</c:v>
+                </c:pt>
+                <c:pt idx="516">
+                  <c:v>19.703268806727266</c:v>
+                </c:pt>
+                <c:pt idx="517">
+                  <c:v>20.577895430069788</c:v>
+                </c:pt>
+                <c:pt idx="518">
+                  <c:v>21.470464114351302</c:v>
+                </c:pt>
+                <c:pt idx="519">
+                  <c:v>22.380885603447268</c:v>
+                </c:pt>
+                <c:pt idx="520">
+                  <c:v>23.309068855967439</c:v>
+                </c:pt>
+                <c:pt idx="521">
+                  <c:v>24.254921054360153</c:v>
+                </c:pt>
+                <c:pt idx="522">
+                  <c:v>25.218347614193618</c:v>
+                </c:pt>
+                <c:pt idx="523">
+                  <c:v>26.199252193614768</c:v>
+                </c:pt>
+                <c:pt idx="524">
+                  <c:v>27.197536702983058</c:v>
+                </c:pt>
+                <c:pt idx="525">
+                  <c:v>28.213101314679506</c:v>
+                </c:pt>
+                <c:pt idx="526">
+                  <c:v>29.245844473089278</c:v>
+                </c:pt>
+                <c:pt idx="527">
+                  <c:v>30.295662904757023</c:v>
+                </c:pt>
+                <c:pt idx="528">
+                  <c:v>31.362451628714467</c:v>
+                </c:pt>
+                <c:pt idx="529">
+                  <c:v>32.4461039669782</c:v>
+                </c:pt>
+                <c:pt idx="530">
+                  <c:v>33.546511555217563</c:v>
+                </c:pt>
+                <c:pt idx="531">
+                  <c:v>34.663564353590544</c:v>
+                </c:pt>
+                <c:pt idx="532">
+                  <c:v>35.797150657748261</c:v>
+                </c:pt>
+                <c:pt idx="533">
+                  <c:v>36.947157110004923</c:v>
+                </c:pt>
+                <c:pt idx="534">
+                  <c:v>38.1134687106738</c:v>
+                </c:pt>
+                <c:pt idx="535">
+                  <c:v>39.295968829566505</c:v>
+                </c:pt>
+                <c:pt idx="536">
+                  <c:v>40.494539217656694</c:v>
+                </c:pt>
+                <c:pt idx="537">
+                  <c:v>41.709060018904296</c:v>
+                </c:pt>
+                <c:pt idx="538">
+                  <c:v>42.939409782241455</c:v>
+                </c:pt>
+                <c:pt idx="539">
+                  <c:v>44.185465473716903</c:v>
+                </c:pt>
+                <c:pt idx="540">
+                  <c:v>45.44710248879997</c:v>
+                </c:pt>
+                <c:pt idx="541">
+                  <c:v>46.724194664840496</c:v>
+                </c:pt>
+                <c:pt idx="542">
+                  <c:v>48.016614293685251</c:v>
+                </c:pt>
+                <c:pt idx="543">
+                  <c:v>49.324232134448124</c:v>
+                </c:pt>
+                <c:pt idx="544">
+                  <c:v>50.646917426434811</c:v>
+                </c:pt>
+                <c:pt idx="545">
+                  <c:v>51.984537902218364</c:v>
+                </c:pt>
+                <c:pt idx="546">
+                  <c:v>53.336959800866026</c:v>
+                </c:pt>
+                <c:pt idx="547">
+                  <c:v>54.704047881314693</c:v>
+                </c:pt>
+                <c:pt idx="548">
+                  <c:v>56.085665435895663</c:v>
+                </c:pt>
+                <c:pt idx="549">
+                  <c:v>57.481674304004827</c:v>
+                </c:pt>
+                <c:pt idx="550">
+                  <c:v>58.891934885918715</c:v>
+                </c:pt>
+                <c:pt idx="551">
+                  <c:v>60.316306156754507</c:v>
+                </c:pt>
+                <c:pt idx="552">
+                  <c:v>61.75464568057177</c:v>
+                </c:pt>
+                <c:pt idx="553">
+                  <c:v>63.206809624616881</c:v>
+                </c:pt>
+                <c:pt idx="554">
+                  <c:v>64.672652773705607</c:v>
+                </c:pt>
+                <c:pt idx="555">
+                  <c:v>66.152028544744695</c:v>
+                </c:pt>
+                <c:pt idx="556">
+                  <c:v>67.64478900138954</c:v>
+                </c:pt>
+                <c:pt idx="557">
+                  <c:v>69.150784868838628</c:v>
+                </c:pt>
+                <c:pt idx="558">
+                  <c:v>70.669865548758679</c:v>
+                </c:pt>
+                <c:pt idx="559">
+                  <c:v>72.201879134350605</c:v>
+                </c:pt>
+                <c:pt idx="560">
+                  <c:v>73.746672425531145</c:v>
+                </c:pt>
+                <c:pt idx="561">
+                  <c:v>75.304090944258235</c:v>
+                </c:pt>
+                <c:pt idx="562">
+                  <c:v>76.873978949977968</c:v>
+                </c:pt>
+                <c:pt idx="563">
+                  <c:v>78.456179455198054</c:v>
+                </c:pt>
+                <c:pt idx="564">
+                  <c:v>80.050534241186554</c:v>
+                </c:pt>
+                <c:pt idx="565">
+                  <c:v>81.656883873793262</c:v>
+                </c:pt>
+                <c:pt idx="566">
+                  <c:v>83.275067719393633</c:v>
+                </c:pt>
+                <c:pt idx="567">
+                  <c:v>84.904923960951635</c:v>
+                </c:pt>
+                <c:pt idx="568">
+                  <c:v>86.546289614201427</c:v>
+                </c:pt>
+                <c:pt idx="569">
+                  <c:v>88.199000543945232</c:v>
+                </c:pt>
+                <c:pt idx="570">
+                  <c:v>89.862891480467439</c:v>
+                </c:pt>
+                <c:pt idx="571">
+                  <c:v>91.537796036060982</c:v>
+                </c:pt>
+                <c:pt idx="572">
+                  <c:v>93.223546721666196</c:v>
+                </c:pt>
+                <c:pt idx="573">
+                  <c:v>94.919974963619012</c:v>
+                </c:pt>
+                <c:pt idx="574">
+                  <c:v>96.626911120509078</c:v>
+                </c:pt>
+                <c:pt idx="575">
+                  <c:v>98.344184500143129</c:v>
+                </c:pt>
+                <c:pt idx="576">
+                  <c:v>100.07162337661428</c:v>
+                </c:pt>
+                <c:pt idx="577">
+                  <c:v>101.80905500747454</c:v>
+                </c:pt>
+                <c:pt idx="578">
+                  <c:v>103.5563056510084</c:v>
+                </c:pt>
+                <c:pt idx="579">
+                  <c:v>105.31320058360767</c:v>
+                </c:pt>
+                <c:pt idx="580">
+                  <c:v>107.07956411724318</c:v>
+                </c:pt>
+                <c:pt idx="581">
+                  <c:v>108.85521961703368</c:v>
+                </c:pt>
+                <c:pt idx="582">
+                  <c:v>110.63998951890859</c:v>
+                </c:pt>
+                <c:pt idx="583">
+                  <c:v>112.43369534736519</c:v>
+                </c:pt>
+                <c:pt idx="584">
+                  <c:v>114.23615773331537</c:v>
+                </c:pt>
+                <c:pt idx="585">
+                  <c:v>116.04719643202274</c:v>
+                </c:pt>
+                <c:pt idx="586">
+                  <c:v>117.86663034112632</c:v>
+                </c:pt>
+                <c:pt idx="587">
+                  <c:v>119.69427751875155</c:v>
+                </c:pt>
+                <c:pt idx="588">
+                  <c:v>121.52995520170367</c:v>
+                </c:pt>
+                <c:pt idx="589">
+                  <c:v>123.37347982374432</c:v>
+                </c:pt>
+                <c:pt idx="590">
+                  <c:v>125.22466703394718</c:v>
+                </c:pt>
+                <c:pt idx="591">
+                  <c:v>127.08333171513411</c:v>
+                </c:pt>
+                <c:pt idx="592">
+                  <c:v>128.9492880023858</c:v>
+                </c:pt>
+                <c:pt idx="593">
+                  <c:v>130.82234930162872</c:v>
+                </c:pt>
+                <c:pt idx="594">
+                  <c:v>132.70232830829349</c:v>
+                </c:pt>
+                <c:pt idx="595">
+                  <c:v>134.58903702604619</c:v>
+                </c:pt>
+                <c:pt idx="596">
+                  <c:v>136.48228678558729</c:v>
+                </c:pt>
+                <c:pt idx="597">
+                  <c:v>138.38188826351879</c:v>
+                </c:pt>
+                <c:pt idx="598">
+                  <c:v>140.28765150127552</c:v>
+                </c:pt>
+                <c:pt idx="599">
+                  <c:v>142.199385924122</c:v>
+                </c:pt>
+                <c:pt idx="600">
+                  <c:v>144.11690036020903</c:v>
+                </c:pt>
+                <c:pt idx="601">
+                  <c:v>146.04000305969095</c:v>
+                </c:pt>
+                <c:pt idx="602">
+                  <c:v>147.96850171390057</c:v>
+                </c:pt>
+                <c:pt idx="603">
+                  <c:v>149.90220347457918</c:v>
+                </c:pt>
+                <c:pt idx="604">
+                  <c:v>151.84091497316228</c:v>
+                </c:pt>
+                <c:pt idx="605">
+                  <c:v>153.78444234011377</c:v>
+                </c:pt>
+                <c:pt idx="606">
+                  <c:v>155.73259122432029</c:v>
+                </c:pt>
+                <c:pt idx="607">
+                  <c:v>157.68516681251518</c:v>
+                </c:pt>
+                <c:pt idx="608">
+                  <c:v>159.64197384876638</c:v>
+                </c:pt>
+                <c:pt idx="609">
+                  <c:v>161.60281665400115</c:v>
+                </c:pt>
+                <c:pt idx="610">
+                  <c:v>163.56749914557298</c:v>
+                </c:pt>
+                <c:pt idx="611">
+                  <c:v>165.53582485687008</c:v>
+                </c:pt>
+                <c:pt idx="612">
+                  <c:v>167.50759695696127</c:v>
+                </c:pt>
+                <c:pt idx="613">
+                  <c:v>169.48261827027989</c:v>
+                </c:pt>
+                <c:pt idx="614">
+                  <c:v>171.46069129634037</c:v>
+                </c:pt>
+                <c:pt idx="615">
+                  <c:v>173.44161822948874</c:v>
+                </c:pt>
+                <c:pt idx="616">
+                  <c:v>175.42520097868206</c:v>
+                </c:pt>
+                <c:pt idx="617">
+                  <c:v>177.41124118729857</c:v>
+                </c:pt>
+                <c:pt idx="618">
+                  <c:v>179.39954025297249</c:v>
+                </c:pt>
+                <c:pt idx="619">
+                  <c:v>181.38989934745427</c:v>
+                </c:pt>
+                <c:pt idx="620">
+                  <c:v>183.38211943649276</c:v>
+                </c:pt>
+                <c:pt idx="621">
+                  <c:v>185.37600129973941</c:v>
+                </c:pt>
+                <c:pt idx="622">
+                  <c:v>187.37134555066947</c:v>
+                </c:pt>
+                <c:pt idx="623">
+                  <c:v>189.36795265652063</c:v>
+                </c:pt>
+                <c:pt idx="624">
+                  <c:v>191.36562295824626</c:v>
+                </c:pt>
+                <c:pt idx="625">
+                  <c:v>193.36415669048066</c:v>
+                </c:pt>
+                <c:pt idx="626">
+                  <c:v>195.36335400151611</c:v>
+                </c:pt>
+                <c:pt idx="627">
+                  <c:v>197.36301497328759</c:v>
+                </c:pt>
+                <c:pt idx="628">
+                  <c:v>199.36293964136442</c:v>
+                </c:pt>
+              </c:numCache>
+            </c:numRef>
+          </c:val>
+          <c:smooth val="0"/>
+          <c:extLst>
+            <c:ext xmlns:c16="http://schemas.microsoft.com/office/drawing/2014/chart" uri="{C3380CC4-5D6E-409C-BE32-E72D297353CC}">
+              <c16:uniqueId val="{00000000-C7DD-422E-9856-29EDC530D895}"/>
+            </c:ext>
+          </c:extLst>
+        </c:ser>
+        <c:dLbls>
+          <c:showLegendKey val="0"/>
+          <c:showVal val="0"/>
+          <c:showCatName val="0"/>
+          <c:showSerName val="0"/>
+          <c:showPercent val="0"/>
+          <c:showBubbleSize val="0"/>
+        </c:dLbls>
+        <c:smooth val="0"/>
+        <c:axId val="140239136"/>
+        <c:axId val="138826464"/>
+      </c:lineChart>
+      <c:catAx>
+        <c:axId val="140239136"/>
+        <c:scaling>
+          <c:orientation val="minMax"/>
+        </c:scaling>
+        <c:delete val="1"/>
+        <c:axPos val="b"/>
+        <c:majorTickMark val="none"/>
+        <c:minorTickMark val="none"/>
+        <c:tickLblPos val="nextTo"/>
+        <c:crossAx val="138826464"/>
+        <c:crosses val="autoZero"/>
+        <c:auto val="1"/>
+        <c:lblAlgn val="ctr"/>
+        <c:lblOffset val="100"/>
+        <c:noMultiLvlLbl val="0"/>
+      </c:catAx>
+      <c:valAx>
+        <c:axId val="138826464"/>
+        <c:scaling>
+          <c:orientation val="minMax"/>
+        </c:scaling>
+        <c:delete val="1"/>
+        <c:axPos val="l"/>
+        <c:numFmt formatCode="General" sourceLinked="1"/>
+        <c:majorTickMark val="none"/>
+        <c:minorTickMark val="none"/>
+        <c:tickLblPos val="nextTo"/>
+        <c:crossAx val="140239136"/>
+        <c:crosses val="autoZero"/>
+        <c:crossBetween val="between"/>
+      </c:valAx>
+      <c:spPr>
+        <a:noFill/>
+        <a:ln>
+          <a:noFill/>
+        </a:ln>
+        <a:effectLst/>
+      </c:spPr>
+    </c:plotArea>
+    <c:plotVisOnly val="1"/>
+    <c:dispBlanksAs val="gap"/>
+    <c:extLst>
+      <c:ext xmlns:c16r3="http://schemas.microsoft.com/office/drawing/2017/03/chart" uri="{56B9EC1D-385E-4148-901F-78D8002777C0}">
+        <c16r3:dataDisplayOptions16>
+          <c16r3:dispNaAsBlank val="1"/>
+        </c16r3:dataDisplayOptions16>
+      </c:ext>
+    </c:extLst>
+    <c:showDLblsOverMax val="0"/>
+  </c:chart>
+  <c:spPr>
+    <a:noFill/>
+    <a:ln>
+      <a:noFill/>
+    </a:ln>
+    <a:effectLst/>
+  </c:spPr>
+  <c:txPr>
+    <a:bodyPr/>
+    <a:lstStyle/>
+    <a:p>
+      <a:pPr>
+        <a:defRPr/>
+      </a:pPr>
+      <a:endParaRPr lang="en-US"/>
     </a:p>
   </c:txPr>
   <c:externalData r:id="rId3">
@@ -4196,6 +8250,86 @@
 </file>
 
 <file path=ppt/charts/colors2.xml><?xml version="1.0" encoding="utf-8"?>
+<cs:colorStyle xmlns:cs="http://schemas.microsoft.com/office/drawing/2012/chartStyle" xmlns:a="http://schemas.openxmlformats.org/drawingml/2006/main" meth="cycle" id="10">
+  <a:schemeClr val="accent1"/>
+  <a:schemeClr val="accent2"/>
+  <a:schemeClr val="accent3"/>
+  <a:schemeClr val="accent4"/>
+  <a:schemeClr val="accent5"/>
+  <a:schemeClr val="accent6"/>
+  <cs:variation/>
+  <cs:variation>
+    <a:lumMod val="60000"/>
+  </cs:variation>
+  <cs:variation>
+    <a:lumMod val="80000"/>
+    <a:lumOff val="20000"/>
+  </cs:variation>
+  <cs:variation>
+    <a:lumMod val="80000"/>
+  </cs:variation>
+  <cs:variation>
+    <a:lumMod val="60000"/>
+    <a:lumOff val="40000"/>
+  </cs:variation>
+  <cs:variation>
+    <a:lumMod val="50000"/>
+  </cs:variation>
+  <cs:variation>
+    <a:lumMod val="70000"/>
+    <a:lumOff val="30000"/>
+  </cs:variation>
+  <cs:variation>
+    <a:lumMod val="70000"/>
+  </cs:variation>
+  <cs:variation>
+    <a:lumMod val="50000"/>
+    <a:lumOff val="50000"/>
+  </cs:variation>
+</cs:colorStyle>
+</file>
+
+<file path=ppt/charts/colors3.xml><?xml version="1.0" encoding="utf-8"?>
+<cs:colorStyle xmlns:cs="http://schemas.microsoft.com/office/drawing/2012/chartStyle" xmlns:a="http://schemas.openxmlformats.org/drawingml/2006/main" meth="cycle" id="10">
+  <a:schemeClr val="accent1"/>
+  <a:schemeClr val="accent2"/>
+  <a:schemeClr val="accent3"/>
+  <a:schemeClr val="accent4"/>
+  <a:schemeClr val="accent5"/>
+  <a:schemeClr val="accent6"/>
+  <cs:variation/>
+  <cs:variation>
+    <a:lumMod val="60000"/>
+  </cs:variation>
+  <cs:variation>
+    <a:lumMod val="80000"/>
+    <a:lumOff val="20000"/>
+  </cs:variation>
+  <cs:variation>
+    <a:lumMod val="80000"/>
+  </cs:variation>
+  <cs:variation>
+    <a:lumMod val="60000"/>
+    <a:lumOff val="40000"/>
+  </cs:variation>
+  <cs:variation>
+    <a:lumMod val="50000"/>
+  </cs:variation>
+  <cs:variation>
+    <a:lumMod val="70000"/>
+    <a:lumOff val="30000"/>
+  </cs:variation>
+  <cs:variation>
+    <a:lumMod val="70000"/>
+  </cs:variation>
+  <cs:variation>
+    <a:lumMod val="50000"/>
+    <a:lumOff val="50000"/>
+  </cs:variation>
+</cs:colorStyle>
+</file>
+
+<file path=ppt/charts/colors4.xml><?xml version="1.0" encoding="utf-8"?>
 <cs:colorStyle xmlns:cs="http://schemas.microsoft.com/office/drawing/2012/chartStyle" xmlns:a="http://schemas.openxmlformats.org/drawingml/2006/main" meth="cycle" id="10">
   <a:schemeClr val="accent1"/>
   <a:schemeClr val="accent2"/>
@@ -5267,6 +9401,1038 @@
 </cs:chartStyle>
 </file>
 
+<file path=ppt/charts/style3.xml><?xml version="1.0" encoding="utf-8"?>
+<cs:chartStyle xmlns:cs="http://schemas.microsoft.com/office/drawing/2012/chartStyle" xmlns:a="http://schemas.openxmlformats.org/drawingml/2006/main" id="227">
+  <cs:axisTitle>
+    <cs:lnRef idx="0"/>
+    <cs:fillRef idx="0"/>
+    <cs:effectRef idx="0"/>
+    <cs:fontRef idx="minor">
+      <a:schemeClr val="tx1">
+        <a:lumMod val="65000"/>
+        <a:lumOff val="35000"/>
+      </a:schemeClr>
+    </cs:fontRef>
+    <cs:defRPr sz="1000" kern="1200"/>
+  </cs:axisTitle>
+  <cs:categoryAxis>
+    <cs:lnRef idx="0"/>
+    <cs:fillRef idx="0"/>
+    <cs:effectRef idx="0"/>
+    <cs:fontRef idx="minor">
+      <a:schemeClr val="tx1">
+        <a:lumMod val="65000"/>
+        <a:lumOff val="35000"/>
+      </a:schemeClr>
+    </cs:fontRef>
+    <cs:spPr>
+      <a:ln w="9525" cap="flat" cmpd="sng" algn="ctr">
+        <a:solidFill>
+          <a:schemeClr val="tx1">
+            <a:lumMod val="15000"/>
+            <a:lumOff val="85000"/>
+          </a:schemeClr>
+        </a:solidFill>
+        <a:round/>
+      </a:ln>
+    </cs:spPr>
+    <cs:defRPr sz="900" kern="1200"/>
+  </cs:categoryAxis>
+  <cs:chartArea mods="allowNoFillOverride allowNoLineOverride">
+    <cs:lnRef idx="0"/>
+    <cs:fillRef idx="0"/>
+    <cs:effectRef idx="0"/>
+    <cs:fontRef idx="minor">
+      <a:schemeClr val="tx1"/>
+    </cs:fontRef>
+    <cs:spPr>
+      <a:solidFill>
+        <a:schemeClr val="bg1"/>
+      </a:solidFill>
+      <a:ln w="9525" cap="flat" cmpd="sng" algn="ctr">
+        <a:solidFill>
+          <a:schemeClr val="tx1">
+            <a:lumMod val="15000"/>
+            <a:lumOff val="85000"/>
+          </a:schemeClr>
+        </a:solidFill>
+        <a:round/>
+      </a:ln>
+    </cs:spPr>
+    <cs:defRPr sz="1000" kern="1200"/>
+  </cs:chartArea>
+  <cs:dataLabel>
+    <cs:lnRef idx="0"/>
+    <cs:fillRef idx="0"/>
+    <cs:effectRef idx="0"/>
+    <cs:fontRef idx="minor">
+      <a:schemeClr val="tx1">
+        <a:lumMod val="75000"/>
+        <a:lumOff val="25000"/>
+      </a:schemeClr>
+    </cs:fontRef>
+    <cs:defRPr sz="900" kern="1200"/>
+  </cs:dataLabel>
+  <cs:dataLabelCallout>
+    <cs:lnRef idx="0"/>
+    <cs:fillRef idx="0"/>
+    <cs:effectRef idx="0"/>
+    <cs:fontRef idx="minor">
+      <a:schemeClr val="dk1">
+        <a:lumMod val="65000"/>
+        <a:lumOff val="35000"/>
+      </a:schemeClr>
+    </cs:fontRef>
+    <cs:spPr>
+      <a:solidFill>
+        <a:schemeClr val="lt1"/>
+      </a:solidFill>
+      <a:ln>
+        <a:solidFill>
+          <a:schemeClr val="dk1">
+            <a:lumMod val="25000"/>
+            <a:lumOff val="75000"/>
+          </a:schemeClr>
+        </a:solidFill>
+      </a:ln>
+    </cs:spPr>
+    <cs:defRPr sz="900" kern="1200"/>
+    <cs:bodyPr rot="0" spcFirstLastPara="1" vertOverflow="clip" horzOverflow="clip" vert="horz" wrap="square" lIns="36576" tIns="18288" rIns="36576" bIns="18288" anchor="ctr" anchorCtr="1">
+      <a:spAutoFit/>
+    </cs:bodyPr>
+  </cs:dataLabelCallout>
+  <cs:dataPoint>
+    <cs:lnRef idx="0"/>
+    <cs:fillRef idx="1">
+      <cs:styleClr val="auto"/>
+    </cs:fillRef>
+    <cs:effectRef idx="0"/>
+    <cs:fontRef idx="minor">
+      <a:schemeClr val="tx1"/>
+    </cs:fontRef>
+    <cs:spPr>
+      <a:solidFill>
+        <a:schemeClr val="phClr"/>
+      </a:solidFill>
+    </cs:spPr>
+  </cs:dataPoint>
+  <cs:dataPoint3D>
+    <cs:lnRef idx="0"/>
+    <cs:fillRef idx="1">
+      <cs:styleClr val="auto"/>
+    </cs:fillRef>
+    <cs:effectRef idx="0"/>
+    <cs:fontRef idx="minor">
+      <a:schemeClr val="tx1"/>
+    </cs:fontRef>
+    <cs:spPr>
+      <a:solidFill>
+        <a:schemeClr val="phClr"/>
+      </a:solidFill>
+    </cs:spPr>
+  </cs:dataPoint3D>
+  <cs:dataPointLine>
+    <cs:lnRef idx="0">
+      <cs:styleClr val="auto"/>
+    </cs:lnRef>
+    <cs:fillRef idx="1"/>
+    <cs:effectRef idx="0"/>
+    <cs:fontRef idx="minor">
+      <a:schemeClr val="tx1"/>
+    </cs:fontRef>
+    <cs:spPr>
+      <a:ln w="28575" cap="rnd">
+        <a:solidFill>
+          <a:schemeClr val="phClr"/>
+        </a:solidFill>
+        <a:round/>
+      </a:ln>
+    </cs:spPr>
+  </cs:dataPointLine>
+  <cs:dataPointMarker>
+    <cs:lnRef idx="0">
+      <cs:styleClr val="auto"/>
+    </cs:lnRef>
+    <cs:fillRef idx="1">
+      <cs:styleClr val="auto"/>
+    </cs:fillRef>
+    <cs:effectRef idx="0"/>
+    <cs:fontRef idx="minor">
+      <a:schemeClr val="tx1"/>
+    </cs:fontRef>
+    <cs:spPr>
+      <a:solidFill>
+        <a:schemeClr val="phClr"/>
+      </a:solidFill>
+      <a:ln w="9525">
+        <a:solidFill>
+          <a:schemeClr val="phClr"/>
+        </a:solidFill>
+      </a:ln>
+    </cs:spPr>
+  </cs:dataPointMarker>
+  <cs:dataPointMarkerLayout symbol="circle" size="5"/>
+  <cs:dataPointWireframe>
+    <cs:lnRef idx="0">
+      <cs:styleClr val="auto"/>
+    </cs:lnRef>
+    <cs:fillRef idx="1"/>
+    <cs:effectRef idx="0"/>
+    <cs:fontRef idx="minor">
+      <a:schemeClr val="tx1"/>
+    </cs:fontRef>
+    <cs:spPr>
+      <a:ln w="9525" cap="rnd">
+        <a:solidFill>
+          <a:schemeClr val="phClr"/>
+        </a:solidFill>
+        <a:round/>
+      </a:ln>
+    </cs:spPr>
+  </cs:dataPointWireframe>
+  <cs:dataTable>
+    <cs:lnRef idx="0"/>
+    <cs:fillRef idx="0"/>
+    <cs:effectRef idx="0"/>
+    <cs:fontRef idx="minor">
+      <a:schemeClr val="tx1">
+        <a:lumMod val="65000"/>
+        <a:lumOff val="35000"/>
+      </a:schemeClr>
+    </cs:fontRef>
+    <cs:spPr>
+      <a:noFill/>
+      <a:ln w="9525" cap="flat" cmpd="sng" algn="ctr">
+        <a:solidFill>
+          <a:schemeClr val="tx1">
+            <a:lumMod val="15000"/>
+            <a:lumOff val="85000"/>
+          </a:schemeClr>
+        </a:solidFill>
+        <a:round/>
+      </a:ln>
+    </cs:spPr>
+    <cs:defRPr sz="900" kern="1200"/>
+  </cs:dataTable>
+  <cs:downBar>
+    <cs:lnRef idx="0"/>
+    <cs:fillRef idx="0"/>
+    <cs:effectRef idx="0"/>
+    <cs:fontRef idx="minor">
+      <a:schemeClr val="dk1"/>
+    </cs:fontRef>
+    <cs:spPr>
+      <a:solidFill>
+        <a:schemeClr val="dk1">
+          <a:lumMod val="65000"/>
+          <a:lumOff val="35000"/>
+        </a:schemeClr>
+      </a:solidFill>
+      <a:ln w="9525">
+        <a:solidFill>
+          <a:schemeClr val="tx1">
+            <a:lumMod val="65000"/>
+            <a:lumOff val="35000"/>
+          </a:schemeClr>
+        </a:solidFill>
+      </a:ln>
+    </cs:spPr>
+  </cs:downBar>
+  <cs:dropLine>
+    <cs:lnRef idx="0"/>
+    <cs:fillRef idx="0"/>
+    <cs:effectRef idx="0"/>
+    <cs:fontRef idx="minor">
+      <a:schemeClr val="tx1"/>
+    </cs:fontRef>
+    <cs:spPr>
+      <a:ln w="9525" cap="flat" cmpd="sng" algn="ctr">
+        <a:solidFill>
+          <a:schemeClr val="tx1">
+            <a:lumMod val="35000"/>
+            <a:lumOff val="65000"/>
+          </a:schemeClr>
+        </a:solidFill>
+        <a:round/>
+      </a:ln>
+    </cs:spPr>
+  </cs:dropLine>
+  <cs:errorBar>
+    <cs:lnRef idx="0"/>
+    <cs:fillRef idx="0"/>
+    <cs:effectRef idx="0"/>
+    <cs:fontRef idx="minor">
+      <a:schemeClr val="tx1"/>
+    </cs:fontRef>
+    <cs:spPr>
+      <a:ln w="9525" cap="flat" cmpd="sng" algn="ctr">
+        <a:solidFill>
+          <a:schemeClr val="tx1">
+            <a:lumMod val="65000"/>
+            <a:lumOff val="35000"/>
+          </a:schemeClr>
+        </a:solidFill>
+        <a:round/>
+      </a:ln>
+    </cs:spPr>
+  </cs:errorBar>
+  <cs:floor>
+    <cs:lnRef idx="0"/>
+    <cs:fillRef idx="0"/>
+    <cs:effectRef idx="0"/>
+    <cs:fontRef idx="minor">
+      <a:schemeClr val="tx1"/>
+    </cs:fontRef>
+    <cs:spPr>
+      <a:noFill/>
+      <a:ln>
+        <a:noFill/>
+      </a:ln>
+    </cs:spPr>
+  </cs:floor>
+  <cs:gridlineMajor>
+    <cs:lnRef idx="0"/>
+    <cs:fillRef idx="0"/>
+    <cs:effectRef idx="0"/>
+    <cs:fontRef idx="minor">
+      <a:schemeClr val="tx1"/>
+    </cs:fontRef>
+    <cs:spPr>
+      <a:ln w="9525" cap="flat" cmpd="sng" algn="ctr">
+        <a:solidFill>
+          <a:schemeClr val="tx1">
+            <a:lumMod val="15000"/>
+            <a:lumOff val="85000"/>
+          </a:schemeClr>
+        </a:solidFill>
+        <a:round/>
+      </a:ln>
+    </cs:spPr>
+  </cs:gridlineMajor>
+  <cs:gridlineMinor>
+    <cs:lnRef idx="0"/>
+    <cs:fillRef idx="0"/>
+    <cs:effectRef idx="0"/>
+    <cs:fontRef idx="minor">
+      <a:schemeClr val="tx1"/>
+    </cs:fontRef>
+    <cs:spPr>
+      <a:ln w="9525" cap="flat" cmpd="sng" algn="ctr">
+        <a:solidFill>
+          <a:schemeClr val="tx1">
+            <a:lumMod val="5000"/>
+            <a:lumOff val="95000"/>
+          </a:schemeClr>
+        </a:solidFill>
+        <a:round/>
+      </a:ln>
+    </cs:spPr>
+  </cs:gridlineMinor>
+  <cs:hiLoLine>
+    <cs:lnRef idx="0"/>
+    <cs:fillRef idx="0"/>
+    <cs:effectRef idx="0"/>
+    <cs:fontRef idx="minor">
+      <a:schemeClr val="tx1"/>
+    </cs:fontRef>
+    <cs:spPr>
+      <a:ln w="9525" cap="flat" cmpd="sng" algn="ctr">
+        <a:solidFill>
+          <a:schemeClr val="tx1">
+            <a:lumMod val="75000"/>
+            <a:lumOff val="25000"/>
+          </a:schemeClr>
+        </a:solidFill>
+        <a:round/>
+      </a:ln>
+    </cs:spPr>
+  </cs:hiLoLine>
+  <cs:leaderLine>
+    <cs:lnRef idx="0"/>
+    <cs:fillRef idx="0"/>
+    <cs:effectRef idx="0"/>
+    <cs:fontRef idx="minor">
+      <a:schemeClr val="tx1"/>
+    </cs:fontRef>
+    <cs:spPr>
+      <a:ln w="9525" cap="flat" cmpd="sng" algn="ctr">
+        <a:solidFill>
+          <a:schemeClr val="tx1">
+            <a:lumMod val="35000"/>
+            <a:lumOff val="65000"/>
+          </a:schemeClr>
+        </a:solidFill>
+        <a:round/>
+      </a:ln>
+    </cs:spPr>
+  </cs:leaderLine>
+  <cs:legend>
+    <cs:lnRef idx="0"/>
+    <cs:fillRef idx="0"/>
+    <cs:effectRef idx="0"/>
+    <cs:fontRef idx="minor">
+      <a:schemeClr val="tx1">
+        <a:lumMod val="65000"/>
+        <a:lumOff val="35000"/>
+      </a:schemeClr>
+    </cs:fontRef>
+    <cs:defRPr sz="900" kern="1200"/>
+  </cs:legend>
+  <cs:plotArea mods="allowNoFillOverride allowNoLineOverride">
+    <cs:lnRef idx="0"/>
+    <cs:fillRef idx="0"/>
+    <cs:effectRef idx="0"/>
+    <cs:fontRef idx="minor">
+      <a:schemeClr val="tx1"/>
+    </cs:fontRef>
+  </cs:plotArea>
+  <cs:plotArea3D mods="allowNoFillOverride allowNoLineOverride">
+    <cs:lnRef idx="0"/>
+    <cs:fillRef idx="0"/>
+    <cs:effectRef idx="0"/>
+    <cs:fontRef idx="minor">
+      <a:schemeClr val="tx1"/>
+    </cs:fontRef>
+  </cs:plotArea3D>
+  <cs:seriesAxis>
+    <cs:lnRef idx="0"/>
+    <cs:fillRef idx="0"/>
+    <cs:effectRef idx="0"/>
+    <cs:fontRef idx="minor">
+      <a:schemeClr val="tx1">
+        <a:lumMod val="65000"/>
+        <a:lumOff val="35000"/>
+      </a:schemeClr>
+    </cs:fontRef>
+    <cs:defRPr sz="900" kern="1200"/>
+  </cs:seriesAxis>
+  <cs:seriesLine>
+    <cs:lnRef idx="0"/>
+    <cs:fillRef idx="0"/>
+    <cs:effectRef idx="0"/>
+    <cs:fontRef idx="minor">
+      <a:schemeClr val="tx1"/>
+    </cs:fontRef>
+    <cs:spPr>
+      <a:ln w="9525" cap="flat" cmpd="sng" algn="ctr">
+        <a:solidFill>
+          <a:schemeClr val="tx1">
+            <a:lumMod val="35000"/>
+            <a:lumOff val="65000"/>
+          </a:schemeClr>
+        </a:solidFill>
+        <a:round/>
+      </a:ln>
+    </cs:spPr>
+  </cs:seriesLine>
+  <cs:title>
+    <cs:lnRef idx="0"/>
+    <cs:fillRef idx="0"/>
+    <cs:effectRef idx="0"/>
+    <cs:fontRef idx="minor">
+      <a:schemeClr val="tx1">
+        <a:lumMod val="65000"/>
+        <a:lumOff val="35000"/>
+      </a:schemeClr>
+    </cs:fontRef>
+    <cs:defRPr sz="1400" b="0" kern="1200" spc="0" baseline="0"/>
+  </cs:title>
+  <cs:trendline>
+    <cs:lnRef idx="0">
+      <cs:styleClr val="auto"/>
+    </cs:lnRef>
+    <cs:fillRef idx="0"/>
+    <cs:effectRef idx="0"/>
+    <cs:fontRef idx="minor">
+      <a:schemeClr val="tx1"/>
+    </cs:fontRef>
+    <cs:spPr>
+      <a:ln w="19050" cap="rnd">
+        <a:solidFill>
+          <a:schemeClr val="phClr"/>
+        </a:solidFill>
+        <a:prstDash val="sysDot"/>
+      </a:ln>
+    </cs:spPr>
+  </cs:trendline>
+  <cs:trendlineLabel>
+    <cs:lnRef idx="0"/>
+    <cs:fillRef idx="0"/>
+    <cs:effectRef idx="0"/>
+    <cs:fontRef idx="minor">
+      <a:schemeClr val="tx1">
+        <a:lumMod val="65000"/>
+        <a:lumOff val="35000"/>
+      </a:schemeClr>
+    </cs:fontRef>
+    <cs:defRPr sz="900" kern="1200"/>
+  </cs:trendlineLabel>
+  <cs:upBar>
+    <cs:lnRef idx="0"/>
+    <cs:fillRef idx="0"/>
+    <cs:effectRef idx="0"/>
+    <cs:fontRef idx="minor">
+      <a:schemeClr val="dk1"/>
+    </cs:fontRef>
+    <cs:spPr>
+      <a:solidFill>
+        <a:schemeClr val="lt1"/>
+      </a:solidFill>
+      <a:ln w="9525">
+        <a:solidFill>
+          <a:schemeClr val="tx1">
+            <a:lumMod val="15000"/>
+            <a:lumOff val="85000"/>
+          </a:schemeClr>
+        </a:solidFill>
+      </a:ln>
+    </cs:spPr>
+  </cs:upBar>
+  <cs:valueAxis>
+    <cs:lnRef idx="0"/>
+    <cs:fillRef idx="0"/>
+    <cs:effectRef idx="0"/>
+    <cs:fontRef idx="minor">
+      <a:schemeClr val="tx1">
+        <a:lumMod val="65000"/>
+        <a:lumOff val="35000"/>
+      </a:schemeClr>
+    </cs:fontRef>
+    <cs:defRPr sz="900" kern="1200"/>
+  </cs:valueAxis>
+  <cs:wall>
+    <cs:lnRef idx="0"/>
+    <cs:fillRef idx="0"/>
+    <cs:effectRef idx="0"/>
+    <cs:fontRef idx="minor">
+      <a:schemeClr val="tx1"/>
+    </cs:fontRef>
+    <cs:spPr>
+      <a:noFill/>
+      <a:ln>
+        <a:noFill/>
+      </a:ln>
+    </cs:spPr>
+  </cs:wall>
+</cs:chartStyle>
+</file>
+
+<file path=ppt/charts/style4.xml><?xml version="1.0" encoding="utf-8"?>
+<cs:chartStyle xmlns:cs="http://schemas.microsoft.com/office/drawing/2012/chartStyle" xmlns:a="http://schemas.openxmlformats.org/drawingml/2006/main" id="227">
+  <cs:axisTitle>
+    <cs:lnRef idx="0"/>
+    <cs:fillRef idx="0"/>
+    <cs:effectRef idx="0"/>
+    <cs:fontRef idx="minor">
+      <a:schemeClr val="tx1">
+        <a:lumMod val="65000"/>
+        <a:lumOff val="35000"/>
+      </a:schemeClr>
+    </cs:fontRef>
+    <cs:defRPr sz="1000" kern="1200"/>
+  </cs:axisTitle>
+  <cs:categoryAxis>
+    <cs:lnRef idx="0"/>
+    <cs:fillRef idx="0"/>
+    <cs:effectRef idx="0"/>
+    <cs:fontRef idx="minor">
+      <a:schemeClr val="tx1">
+        <a:lumMod val="65000"/>
+        <a:lumOff val="35000"/>
+      </a:schemeClr>
+    </cs:fontRef>
+    <cs:spPr>
+      <a:ln w="9525" cap="flat" cmpd="sng" algn="ctr">
+        <a:solidFill>
+          <a:schemeClr val="tx1">
+            <a:lumMod val="15000"/>
+            <a:lumOff val="85000"/>
+          </a:schemeClr>
+        </a:solidFill>
+        <a:round/>
+      </a:ln>
+    </cs:spPr>
+    <cs:defRPr sz="900" kern="1200"/>
+  </cs:categoryAxis>
+  <cs:chartArea mods="allowNoFillOverride allowNoLineOverride">
+    <cs:lnRef idx="0"/>
+    <cs:fillRef idx="0"/>
+    <cs:effectRef idx="0"/>
+    <cs:fontRef idx="minor">
+      <a:schemeClr val="tx1"/>
+    </cs:fontRef>
+    <cs:spPr>
+      <a:solidFill>
+        <a:schemeClr val="bg1"/>
+      </a:solidFill>
+      <a:ln w="9525" cap="flat" cmpd="sng" algn="ctr">
+        <a:solidFill>
+          <a:schemeClr val="tx1">
+            <a:lumMod val="15000"/>
+            <a:lumOff val="85000"/>
+          </a:schemeClr>
+        </a:solidFill>
+        <a:round/>
+      </a:ln>
+    </cs:spPr>
+    <cs:defRPr sz="1000" kern="1200"/>
+  </cs:chartArea>
+  <cs:dataLabel>
+    <cs:lnRef idx="0"/>
+    <cs:fillRef idx="0"/>
+    <cs:effectRef idx="0"/>
+    <cs:fontRef idx="minor">
+      <a:schemeClr val="tx1">
+        <a:lumMod val="75000"/>
+        <a:lumOff val="25000"/>
+      </a:schemeClr>
+    </cs:fontRef>
+    <cs:defRPr sz="900" kern="1200"/>
+  </cs:dataLabel>
+  <cs:dataLabelCallout>
+    <cs:lnRef idx="0"/>
+    <cs:fillRef idx="0"/>
+    <cs:effectRef idx="0"/>
+    <cs:fontRef idx="minor">
+      <a:schemeClr val="dk1">
+        <a:lumMod val="65000"/>
+        <a:lumOff val="35000"/>
+      </a:schemeClr>
+    </cs:fontRef>
+    <cs:spPr>
+      <a:solidFill>
+        <a:schemeClr val="lt1"/>
+      </a:solidFill>
+      <a:ln>
+        <a:solidFill>
+          <a:schemeClr val="dk1">
+            <a:lumMod val="25000"/>
+            <a:lumOff val="75000"/>
+          </a:schemeClr>
+        </a:solidFill>
+      </a:ln>
+    </cs:spPr>
+    <cs:defRPr sz="900" kern="1200"/>
+    <cs:bodyPr rot="0" spcFirstLastPara="1" vertOverflow="clip" horzOverflow="clip" vert="horz" wrap="square" lIns="36576" tIns="18288" rIns="36576" bIns="18288" anchor="ctr" anchorCtr="1">
+      <a:spAutoFit/>
+    </cs:bodyPr>
+  </cs:dataLabelCallout>
+  <cs:dataPoint>
+    <cs:lnRef idx="0"/>
+    <cs:fillRef idx="1">
+      <cs:styleClr val="auto"/>
+    </cs:fillRef>
+    <cs:effectRef idx="0"/>
+    <cs:fontRef idx="minor">
+      <a:schemeClr val="tx1"/>
+    </cs:fontRef>
+    <cs:spPr>
+      <a:solidFill>
+        <a:schemeClr val="phClr"/>
+      </a:solidFill>
+    </cs:spPr>
+  </cs:dataPoint>
+  <cs:dataPoint3D>
+    <cs:lnRef idx="0"/>
+    <cs:fillRef idx="1">
+      <cs:styleClr val="auto"/>
+    </cs:fillRef>
+    <cs:effectRef idx="0"/>
+    <cs:fontRef idx="minor">
+      <a:schemeClr val="tx1"/>
+    </cs:fontRef>
+    <cs:spPr>
+      <a:solidFill>
+        <a:schemeClr val="phClr"/>
+      </a:solidFill>
+    </cs:spPr>
+  </cs:dataPoint3D>
+  <cs:dataPointLine>
+    <cs:lnRef idx="0">
+      <cs:styleClr val="auto"/>
+    </cs:lnRef>
+    <cs:fillRef idx="1"/>
+    <cs:effectRef idx="0"/>
+    <cs:fontRef idx="minor">
+      <a:schemeClr val="tx1"/>
+    </cs:fontRef>
+    <cs:spPr>
+      <a:ln w="28575" cap="rnd">
+        <a:solidFill>
+          <a:schemeClr val="phClr"/>
+        </a:solidFill>
+        <a:round/>
+      </a:ln>
+    </cs:spPr>
+  </cs:dataPointLine>
+  <cs:dataPointMarker>
+    <cs:lnRef idx="0">
+      <cs:styleClr val="auto"/>
+    </cs:lnRef>
+    <cs:fillRef idx="1">
+      <cs:styleClr val="auto"/>
+    </cs:fillRef>
+    <cs:effectRef idx="0"/>
+    <cs:fontRef idx="minor">
+      <a:schemeClr val="tx1"/>
+    </cs:fontRef>
+    <cs:spPr>
+      <a:solidFill>
+        <a:schemeClr val="phClr"/>
+      </a:solidFill>
+      <a:ln w="9525">
+        <a:solidFill>
+          <a:schemeClr val="phClr"/>
+        </a:solidFill>
+      </a:ln>
+    </cs:spPr>
+  </cs:dataPointMarker>
+  <cs:dataPointMarkerLayout symbol="circle" size="5"/>
+  <cs:dataPointWireframe>
+    <cs:lnRef idx="0">
+      <cs:styleClr val="auto"/>
+    </cs:lnRef>
+    <cs:fillRef idx="1"/>
+    <cs:effectRef idx="0"/>
+    <cs:fontRef idx="minor">
+      <a:schemeClr val="tx1"/>
+    </cs:fontRef>
+    <cs:spPr>
+      <a:ln w="9525" cap="rnd">
+        <a:solidFill>
+          <a:schemeClr val="phClr"/>
+        </a:solidFill>
+        <a:round/>
+      </a:ln>
+    </cs:spPr>
+  </cs:dataPointWireframe>
+  <cs:dataTable>
+    <cs:lnRef idx="0"/>
+    <cs:fillRef idx="0"/>
+    <cs:effectRef idx="0"/>
+    <cs:fontRef idx="minor">
+      <a:schemeClr val="tx1">
+        <a:lumMod val="65000"/>
+        <a:lumOff val="35000"/>
+      </a:schemeClr>
+    </cs:fontRef>
+    <cs:spPr>
+      <a:noFill/>
+      <a:ln w="9525" cap="flat" cmpd="sng" algn="ctr">
+        <a:solidFill>
+          <a:schemeClr val="tx1">
+            <a:lumMod val="15000"/>
+            <a:lumOff val="85000"/>
+          </a:schemeClr>
+        </a:solidFill>
+        <a:round/>
+      </a:ln>
+    </cs:spPr>
+    <cs:defRPr sz="900" kern="1200"/>
+  </cs:dataTable>
+  <cs:downBar>
+    <cs:lnRef idx="0"/>
+    <cs:fillRef idx="0"/>
+    <cs:effectRef idx="0"/>
+    <cs:fontRef idx="minor">
+      <a:schemeClr val="dk1"/>
+    </cs:fontRef>
+    <cs:spPr>
+      <a:solidFill>
+        <a:schemeClr val="dk1">
+          <a:lumMod val="65000"/>
+          <a:lumOff val="35000"/>
+        </a:schemeClr>
+      </a:solidFill>
+      <a:ln w="9525">
+        <a:solidFill>
+          <a:schemeClr val="tx1">
+            <a:lumMod val="65000"/>
+            <a:lumOff val="35000"/>
+          </a:schemeClr>
+        </a:solidFill>
+      </a:ln>
+    </cs:spPr>
+  </cs:downBar>
+  <cs:dropLine>
+    <cs:lnRef idx="0"/>
+    <cs:fillRef idx="0"/>
+    <cs:effectRef idx="0"/>
+    <cs:fontRef idx="minor">
+      <a:schemeClr val="tx1"/>
+    </cs:fontRef>
+    <cs:spPr>
+      <a:ln w="9525" cap="flat" cmpd="sng" algn="ctr">
+        <a:solidFill>
+          <a:schemeClr val="tx1">
+            <a:lumMod val="35000"/>
+            <a:lumOff val="65000"/>
+          </a:schemeClr>
+        </a:solidFill>
+        <a:round/>
+      </a:ln>
+    </cs:spPr>
+  </cs:dropLine>
+  <cs:errorBar>
+    <cs:lnRef idx="0"/>
+    <cs:fillRef idx="0"/>
+    <cs:effectRef idx="0"/>
+    <cs:fontRef idx="minor">
+      <a:schemeClr val="tx1"/>
+    </cs:fontRef>
+    <cs:spPr>
+      <a:ln w="9525" cap="flat" cmpd="sng" algn="ctr">
+        <a:solidFill>
+          <a:schemeClr val="tx1">
+            <a:lumMod val="65000"/>
+            <a:lumOff val="35000"/>
+          </a:schemeClr>
+        </a:solidFill>
+        <a:round/>
+      </a:ln>
+    </cs:spPr>
+  </cs:errorBar>
+  <cs:floor>
+    <cs:lnRef idx="0"/>
+    <cs:fillRef idx="0"/>
+    <cs:effectRef idx="0"/>
+    <cs:fontRef idx="minor">
+      <a:schemeClr val="tx1"/>
+    </cs:fontRef>
+    <cs:spPr>
+      <a:noFill/>
+      <a:ln>
+        <a:noFill/>
+      </a:ln>
+    </cs:spPr>
+  </cs:floor>
+  <cs:gridlineMajor>
+    <cs:lnRef idx="0"/>
+    <cs:fillRef idx="0"/>
+    <cs:effectRef idx="0"/>
+    <cs:fontRef idx="minor">
+      <a:schemeClr val="tx1"/>
+    </cs:fontRef>
+    <cs:spPr>
+      <a:ln w="9525" cap="flat" cmpd="sng" algn="ctr">
+        <a:solidFill>
+          <a:schemeClr val="tx1">
+            <a:lumMod val="15000"/>
+            <a:lumOff val="85000"/>
+          </a:schemeClr>
+        </a:solidFill>
+        <a:round/>
+      </a:ln>
+    </cs:spPr>
+  </cs:gridlineMajor>
+  <cs:gridlineMinor>
+    <cs:lnRef idx="0"/>
+    <cs:fillRef idx="0"/>
+    <cs:effectRef idx="0"/>
+    <cs:fontRef idx="minor">
+      <a:schemeClr val="tx1"/>
+    </cs:fontRef>
+    <cs:spPr>
+      <a:ln w="9525" cap="flat" cmpd="sng" algn="ctr">
+        <a:solidFill>
+          <a:schemeClr val="tx1">
+            <a:lumMod val="5000"/>
+            <a:lumOff val="95000"/>
+          </a:schemeClr>
+        </a:solidFill>
+        <a:round/>
+      </a:ln>
+    </cs:spPr>
+  </cs:gridlineMinor>
+  <cs:hiLoLine>
+    <cs:lnRef idx="0"/>
+    <cs:fillRef idx="0"/>
+    <cs:effectRef idx="0"/>
+    <cs:fontRef idx="minor">
+      <a:schemeClr val="tx1"/>
+    </cs:fontRef>
+    <cs:spPr>
+      <a:ln w="9525" cap="flat" cmpd="sng" algn="ctr">
+        <a:solidFill>
+          <a:schemeClr val="tx1">
+            <a:lumMod val="75000"/>
+            <a:lumOff val="25000"/>
+          </a:schemeClr>
+        </a:solidFill>
+        <a:round/>
+      </a:ln>
+    </cs:spPr>
+  </cs:hiLoLine>
+  <cs:leaderLine>
+    <cs:lnRef idx="0"/>
+    <cs:fillRef idx="0"/>
+    <cs:effectRef idx="0"/>
+    <cs:fontRef idx="minor">
+      <a:schemeClr val="tx1"/>
+    </cs:fontRef>
+    <cs:spPr>
+      <a:ln w="9525" cap="flat" cmpd="sng" algn="ctr">
+        <a:solidFill>
+          <a:schemeClr val="tx1">
+            <a:lumMod val="35000"/>
+            <a:lumOff val="65000"/>
+          </a:schemeClr>
+        </a:solidFill>
+        <a:round/>
+      </a:ln>
+    </cs:spPr>
+  </cs:leaderLine>
+  <cs:legend>
+    <cs:lnRef idx="0"/>
+    <cs:fillRef idx="0"/>
+    <cs:effectRef idx="0"/>
+    <cs:fontRef idx="minor">
+      <a:schemeClr val="tx1">
+        <a:lumMod val="65000"/>
+        <a:lumOff val="35000"/>
+      </a:schemeClr>
+    </cs:fontRef>
+    <cs:defRPr sz="900" kern="1200"/>
+  </cs:legend>
+  <cs:plotArea mods="allowNoFillOverride allowNoLineOverride">
+    <cs:lnRef idx="0"/>
+    <cs:fillRef idx="0"/>
+    <cs:effectRef idx="0"/>
+    <cs:fontRef idx="minor">
+      <a:schemeClr val="tx1"/>
+    </cs:fontRef>
+  </cs:plotArea>
+  <cs:plotArea3D mods="allowNoFillOverride allowNoLineOverride">
+    <cs:lnRef idx="0"/>
+    <cs:fillRef idx="0"/>
+    <cs:effectRef idx="0"/>
+    <cs:fontRef idx="minor">
+      <a:schemeClr val="tx1"/>
+    </cs:fontRef>
+  </cs:plotArea3D>
+  <cs:seriesAxis>
+    <cs:lnRef idx="0"/>
+    <cs:fillRef idx="0"/>
+    <cs:effectRef idx="0"/>
+    <cs:fontRef idx="minor">
+      <a:schemeClr val="tx1">
+        <a:lumMod val="65000"/>
+        <a:lumOff val="35000"/>
+      </a:schemeClr>
+    </cs:fontRef>
+    <cs:defRPr sz="900" kern="1200"/>
+  </cs:seriesAxis>
+  <cs:seriesLine>
+    <cs:lnRef idx="0"/>
+    <cs:fillRef idx="0"/>
+    <cs:effectRef idx="0"/>
+    <cs:fontRef idx="minor">
+      <a:schemeClr val="tx1"/>
+    </cs:fontRef>
+    <cs:spPr>
+      <a:ln w="9525" cap="flat" cmpd="sng" algn="ctr">
+        <a:solidFill>
+          <a:schemeClr val="tx1">
+            <a:lumMod val="35000"/>
+            <a:lumOff val="65000"/>
+          </a:schemeClr>
+        </a:solidFill>
+        <a:round/>
+      </a:ln>
+    </cs:spPr>
+  </cs:seriesLine>
+  <cs:title>
+    <cs:lnRef idx="0"/>
+    <cs:fillRef idx="0"/>
+    <cs:effectRef idx="0"/>
+    <cs:fontRef idx="minor">
+      <a:schemeClr val="tx1">
+        <a:lumMod val="65000"/>
+        <a:lumOff val="35000"/>
+      </a:schemeClr>
+    </cs:fontRef>
+    <cs:defRPr sz="1400" b="0" kern="1200" spc="0" baseline="0"/>
+  </cs:title>
+  <cs:trendline>
+    <cs:lnRef idx="0">
+      <cs:styleClr val="auto"/>
+    </cs:lnRef>
+    <cs:fillRef idx="0"/>
+    <cs:effectRef idx="0"/>
+    <cs:fontRef idx="minor">
+      <a:schemeClr val="tx1"/>
+    </cs:fontRef>
+    <cs:spPr>
+      <a:ln w="19050" cap="rnd">
+        <a:solidFill>
+          <a:schemeClr val="phClr"/>
+        </a:solidFill>
+        <a:prstDash val="sysDot"/>
+      </a:ln>
+    </cs:spPr>
+  </cs:trendline>
+  <cs:trendlineLabel>
+    <cs:lnRef idx="0"/>
+    <cs:fillRef idx="0"/>
+    <cs:effectRef idx="0"/>
+    <cs:fontRef idx="minor">
+      <a:schemeClr val="tx1">
+        <a:lumMod val="65000"/>
+        <a:lumOff val="35000"/>
+      </a:schemeClr>
+    </cs:fontRef>
+    <cs:defRPr sz="900" kern="1200"/>
+  </cs:trendlineLabel>
+  <cs:upBar>
+    <cs:lnRef idx="0"/>
+    <cs:fillRef idx="0"/>
+    <cs:effectRef idx="0"/>
+    <cs:fontRef idx="minor">
+      <a:schemeClr val="dk1"/>
+    </cs:fontRef>
+    <cs:spPr>
+      <a:solidFill>
+        <a:schemeClr val="lt1"/>
+      </a:solidFill>
+      <a:ln w="9525">
+        <a:solidFill>
+          <a:schemeClr val="tx1">
+            <a:lumMod val="15000"/>
+            <a:lumOff val="85000"/>
+          </a:schemeClr>
+        </a:solidFill>
+      </a:ln>
+    </cs:spPr>
+  </cs:upBar>
+  <cs:valueAxis>
+    <cs:lnRef idx="0"/>
+    <cs:fillRef idx="0"/>
+    <cs:effectRef idx="0"/>
+    <cs:fontRef idx="minor">
+      <a:schemeClr val="tx1">
+        <a:lumMod val="65000"/>
+        <a:lumOff val="35000"/>
+      </a:schemeClr>
+    </cs:fontRef>
+    <cs:defRPr sz="900" kern="1200"/>
+  </cs:valueAxis>
+  <cs:wall>
+    <cs:lnRef idx="0"/>
+    <cs:fillRef idx="0"/>
+    <cs:effectRef idx="0"/>
+    <cs:fontRef idx="minor">
+      <a:schemeClr val="tx1"/>
+    </cs:fontRef>
+    <cs:spPr>
+      <a:noFill/>
+      <a:ln>
+        <a:noFill/>
+      </a:ln>
+    </cs:spPr>
+  </cs:wall>
+</cs:chartStyle>
+</file>
+
 <file path=ppt/slideLayouts/slideLayout1.xml><?xml version="1.0" encoding="utf-8"?>
 <p:sldLayout xmlns:a="http://schemas.openxmlformats.org/drawingml/2006/main" xmlns:r="http://schemas.openxmlformats.org/officeDocument/2006/relationships" xmlns:p="http://schemas.openxmlformats.org/presentationml/2006/main" type="title" preserve="1">
   <p:cSld name="제목 슬라이드">
@@ -5414,7 +10580,7 @@
           <a:p>
             <a:fld id="{96446F1D-E0DB-4F28-BBFA-427DEAF12FFB}" type="datetimeFigureOut">
               <a:rPr lang="ko-KR" altLang="en-US" smtClean="0"/>
-              <a:t>2019-08-10</a:t>
+              <a:t>2023-04-20</a:t>
             </a:fld>
             <a:endParaRPr lang="ko-KR" altLang="en-US"/>
           </a:p>
@@ -5612,7 +10778,7 @@
           <a:p>
             <a:fld id="{96446F1D-E0DB-4F28-BBFA-427DEAF12FFB}" type="datetimeFigureOut">
               <a:rPr lang="ko-KR" altLang="en-US" smtClean="0"/>
-              <a:t>2019-08-10</a:t>
+              <a:t>2023-04-20</a:t>
             </a:fld>
             <a:endParaRPr lang="ko-KR" altLang="en-US"/>
           </a:p>
@@ -5820,7 +10986,7 @@
           <a:p>
             <a:fld id="{96446F1D-E0DB-4F28-BBFA-427DEAF12FFB}" type="datetimeFigureOut">
               <a:rPr lang="ko-KR" altLang="en-US" smtClean="0"/>
-              <a:t>2019-08-10</a:t>
+              <a:t>2023-04-20</a:t>
             </a:fld>
             <a:endParaRPr lang="ko-KR" altLang="en-US"/>
           </a:p>
@@ -6018,7 +11184,7 @@
           <a:p>
             <a:fld id="{96446F1D-E0DB-4F28-BBFA-427DEAF12FFB}" type="datetimeFigureOut">
               <a:rPr lang="ko-KR" altLang="en-US" smtClean="0"/>
-              <a:t>2019-08-10</a:t>
+              <a:t>2023-04-20</a:t>
             </a:fld>
             <a:endParaRPr lang="ko-KR" altLang="en-US"/>
           </a:p>
@@ -6293,7 +11459,7 @@
           <a:p>
             <a:fld id="{96446F1D-E0DB-4F28-BBFA-427DEAF12FFB}" type="datetimeFigureOut">
               <a:rPr lang="ko-KR" altLang="en-US" smtClean="0"/>
-              <a:t>2019-08-10</a:t>
+              <a:t>2023-04-20</a:t>
             </a:fld>
             <a:endParaRPr lang="ko-KR" altLang="en-US"/>
           </a:p>
@@ -6558,7 +11724,7 @@
           <a:p>
             <a:fld id="{96446F1D-E0DB-4F28-BBFA-427DEAF12FFB}" type="datetimeFigureOut">
               <a:rPr lang="ko-KR" altLang="en-US" smtClean="0"/>
-              <a:t>2019-08-10</a:t>
+              <a:t>2023-04-20</a:t>
             </a:fld>
             <a:endParaRPr lang="ko-KR" altLang="en-US"/>
           </a:p>
@@ -6970,7 +12136,7 @@
           <a:p>
             <a:fld id="{96446F1D-E0DB-4F28-BBFA-427DEAF12FFB}" type="datetimeFigureOut">
               <a:rPr lang="ko-KR" altLang="en-US" smtClean="0"/>
-              <a:t>2019-08-10</a:t>
+              <a:t>2023-04-20</a:t>
             </a:fld>
             <a:endParaRPr lang="ko-KR" altLang="en-US"/>
           </a:p>
@@ -7111,7 +12277,7 @@
           <a:p>
             <a:fld id="{96446F1D-E0DB-4F28-BBFA-427DEAF12FFB}" type="datetimeFigureOut">
               <a:rPr lang="ko-KR" altLang="en-US" smtClean="0"/>
-              <a:t>2019-08-10</a:t>
+              <a:t>2023-04-20</a:t>
             </a:fld>
             <a:endParaRPr lang="ko-KR" altLang="en-US"/>
           </a:p>
@@ -7224,7 +12390,7 @@
           <a:p>
             <a:fld id="{96446F1D-E0DB-4F28-BBFA-427DEAF12FFB}" type="datetimeFigureOut">
               <a:rPr lang="ko-KR" altLang="en-US" smtClean="0"/>
-              <a:t>2019-08-10</a:t>
+              <a:t>2023-04-20</a:t>
             </a:fld>
             <a:endParaRPr lang="ko-KR" altLang="en-US"/>
           </a:p>
@@ -7535,7 +12701,7 @@
           <a:p>
             <a:fld id="{96446F1D-E0DB-4F28-BBFA-427DEAF12FFB}" type="datetimeFigureOut">
               <a:rPr lang="ko-KR" altLang="en-US" smtClean="0"/>
-              <a:t>2019-08-10</a:t>
+              <a:t>2023-04-20</a:t>
             </a:fld>
             <a:endParaRPr lang="ko-KR" altLang="en-US"/>
           </a:p>
@@ -7823,7 +12989,7 @@
           <a:p>
             <a:fld id="{96446F1D-E0DB-4F28-BBFA-427DEAF12FFB}" type="datetimeFigureOut">
               <a:rPr lang="ko-KR" altLang="en-US" smtClean="0"/>
-              <a:t>2019-08-10</a:t>
+              <a:t>2023-04-20</a:t>
             </a:fld>
             <a:endParaRPr lang="ko-KR" altLang="en-US"/>
           </a:p>
@@ -8064,7 +13230,7 @@
           <a:p>
             <a:fld id="{96446F1D-E0DB-4F28-BBFA-427DEAF12FFB}" type="datetimeFigureOut">
               <a:rPr lang="ko-KR" altLang="en-US" smtClean="0"/>
-              <a:t>2019-08-10</a:t>
+              <a:t>2023-04-20</a:t>
             </a:fld>
             <a:endParaRPr lang="ko-KR" altLang="en-US"/>
           </a:p>
@@ -8769,8 +13935,8 @@
           </a:p>
         </p:txBody>
       </p:sp>
-      <mc:AlternateContent xmlns:mc="http://schemas.openxmlformats.org/markup-compatibility/2006">
-        <mc:Choice xmlns:a14="http://schemas.microsoft.com/office/drawing/2010/main" Requires="a14">
+      <mc:AlternateContent xmlns:mc="http://schemas.openxmlformats.org/markup-compatibility/2006" xmlns:a14="http://schemas.microsoft.com/office/drawing/2010/main">
+        <mc:Choice Requires="a14">
           <p:sp>
             <p:nvSpPr>
               <p:cNvPr id="19" name="TextBox 18">
@@ -8906,7 +14072,7 @@
             </p:txBody>
           </p:sp>
         </mc:Choice>
-        <mc:Fallback>
+        <mc:Fallback xmlns="">
           <p:sp>
             <p:nvSpPr>
               <p:cNvPr id="19" name="TextBox 18">
@@ -8955,6 +14121,455 @@
     <p:extLst>
       <p:ext uri="{BB962C8B-B14F-4D97-AF65-F5344CB8AC3E}">
         <p14:creationId xmlns:p14="http://schemas.microsoft.com/office/powerpoint/2010/main" val="390708523"/>
+      </p:ext>
+    </p:extLst>
+  </p:cSld>
+  <p:clrMapOvr>
+    <a:masterClrMapping/>
+  </p:clrMapOvr>
+</p:sld>
+</file>
+
+<file path=ppt/slides/slide2.xml><?xml version="1.0" encoding="utf-8"?>
+<p:sld xmlns:a="http://schemas.openxmlformats.org/drawingml/2006/main" xmlns:r="http://schemas.openxmlformats.org/officeDocument/2006/relationships" xmlns:p="http://schemas.openxmlformats.org/presentationml/2006/main">
+  <p:cSld>
+    <p:spTree>
+      <p:nvGrpSpPr>
+        <p:cNvPr id="1" name=""/>
+        <p:cNvGrpSpPr/>
+        <p:nvPr/>
+      </p:nvGrpSpPr>
+      <p:grpSpPr>
+        <a:xfrm>
+          <a:off x="0" y="0"/>
+          <a:ext cx="0" cy="0"/>
+          <a:chOff x="0" y="0"/>
+          <a:chExt cx="0" cy="0"/>
+        </a:xfrm>
+      </p:grpSpPr>
+      <p:graphicFrame>
+        <p:nvGraphicFramePr>
+          <p:cNvPr id="11" name="차트 10">
+            <a:extLst>
+              <a:ext uri="{FF2B5EF4-FFF2-40B4-BE49-F238E27FC236}">
+                <a16:creationId xmlns:a16="http://schemas.microsoft.com/office/drawing/2014/main" id="{D1BC7C1C-EBBE-45B9-B755-9A2F2825E0FE}"/>
+              </a:ext>
+            </a:extLst>
+          </p:cNvPr>
+          <p:cNvGraphicFramePr>
+            <a:graphicFrameLocks/>
+          </p:cNvGraphicFramePr>
+          <p:nvPr/>
+        </p:nvGraphicFramePr>
+        <p:xfrm>
+          <a:off x="294757" y="2323665"/>
+          <a:ext cx="2963346" cy="1778008"/>
+        </p:xfrm>
+        <a:graphic>
+          <a:graphicData uri="http://schemas.openxmlformats.org/drawingml/2006/chart">
+            <c:chart xmlns:c="http://schemas.openxmlformats.org/drawingml/2006/chart" xmlns:r="http://schemas.openxmlformats.org/officeDocument/2006/relationships" r:id="rId2"/>
+          </a:graphicData>
+        </a:graphic>
+      </p:graphicFrame>
+      <p:graphicFrame>
+        <p:nvGraphicFramePr>
+          <p:cNvPr id="12" name="차트 11">
+            <a:extLst>
+              <a:ext uri="{FF2B5EF4-FFF2-40B4-BE49-F238E27FC236}">
+                <a16:creationId xmlns:a16="http://schemas.microsoft.com/office/drawing/2014/main" id="{0717D623-A8F6-4194-A933-37412549EF39}"/>
+              </a:ext>
+            </a:extLst>
+          </p:cNvPr>
+          <p:cNvGraphicFramePr>
+            <a:graphicFrameLocks/>
+          </p:cNvGraphicFramePr>
+          <p:nvPr/>
+        </p:nvGraphicFramePr>
+        <p:xfrm>
+          <a:off x="8797770" y="2323665"/>
+          <a:ext cx="3018409" cy="1778008"/>
+        </p:xfrm>
+        <a:graphic>
+          <a:graphicData uri="http://schemas.openxmlformats.org/drawingml/2006/chart">
+            <c:chart xmlns:c="http://schemas.openxmlformats.org/drawingml/2006/chart" xmlns:r="http://schemas.openxmlformats.org/officeDocument/2006/relationships" r:id="rId3"/>
+          </a:graphicData>
+        </a:graphic>
+      </p:graphicFrame>
+      <p:sp>
+        <p:nvSpPr>
+          <p:cNvPr id="13" name="직사각형 12">
+            <a:extLst>
+              <a:ext uri="{FF2B5EF4-FFF2-40B4-BE49-F238E27FC236}">
+                <a16:creationId xmlns:a16="http://schemas.microsoft.com/office/drawing/2014/main" id="{48EB1869-7F09-4243-BB1E-82CBDB43F1A7}"/>
+              </a:ext>
+            </a:extLst>
+          </p:cNvPr>
+          <p:cNvSpPr/>
+          <p:nvPr/>
+        </p:nvSpPr>
+        <p:spPr>
+          <a:xfrm>
+            <a:off x="4585315" y="2485747"/>
+            <a:ext cx="2725445" cy="1455937"/>
+          </a:xfrm>
+          <a:prstGeom prst="rect">
+            <a:avLst/>
+          </a:prstGeom>
+          <a:solidFill>
+            <a:schemeClr val="bg1"/>
+          </a:solidFill>
+          <a:ln>
+            <a:solidFill>
+              <a:schemeClr val="tx1"/>
+            </a:solidFill>
+          </a:ln>
+        </p:spPr>
+        <p:style>
+          <a:lnRef idx="2">
+            <a:schemeClr val="dk1">
+              <a:shade val="50000"/>
+            </a:schemeClr>
+          </a:lnRef>
+          <a:fillRef idx="1">
+            <a:schemeClr val="dk1"/>
+          </a:fillRef>
+          <a:effectRef idx="0">
+            <a:schemeClr val="dk1"/>
+          </a:effectRef>
+          <a:fontRef idx="minor">
+            <a:schemeClr val="lt1"/>
+          </a:fontRef>
+        </p:style>
+        <p:txBody>
+          <a:bodyPr rtlCol="0" anchor="ctr"/>
+          <a:lstStyle/>
+          <a:p>
+            <a:pPr algn="ctr"/>
+            <a:r>
+              <a:rPr lang="en-US" altLang="ko-KR" dirty="0">
+                <a:solidFill>
+                  <a:sysClr val="windowText" lastClr="000000"/>
+                </a:solidFill>
+                <a:latin typeface="KoPub돋움체 Bold" panose="00000800000000000000" pitchFamily="2" charset="-127"/>
+                <a:ea typeface="KoPub돋움체 Bold" panose="00000800000000000000" pitchFamily="2" charset="-127"/>
+              </a:rPr>
+              <a:t>Hilbert Transform</a:t>
+            </a:r>
+            <a:endParaRPr lang="ko-KR" altLang="en-US" dirty="0">
+              <a:solidFill>
+                <a:sysClr val="windowText" lastClr="000000"/>
+              </a:solidFill>
+              <a:latin typeface="KoPub돋움체 Bold" panose="00000800000000000000" pitchFamily="2" charset="-127"/>
+              <a:ea typeface="KoPub돋움체 Bold" panose="00000800000000000000" pitchFamily="2" charset="-127"/>
+            </a:endParaRPr>
+          </a:p>
+        </p:txBody>
+      </p:sp>
+      <p:cxnSp>
+        <p:nvCxnSpPr>
+          <p:cNvPr id="16" name="직선 화살표 연결선 15">
+            <a:extLst>
+              <a:ext uri="{FF2B5EF4-FFF2-40B4-BE49-F238E27FC236}">
+                <a16:creationId xmlns:a16="http://schemas.microsoft.com/office/drawing/2014/main" id="{AE34C755-4049-43D3-A292-BFB845E51E60}"/>
+              </a:ext>
+            </a:extLst>
+          </p:cNvPr>
+          <p:cNvCxnSpPr/>
+          <p:nvPr/>
+        </p:nvCxnSpPr>
+        <p:spPr>
+          <a:xfrm>
+            <a:off x="3160450" y="3212669"/>
+            <a:ext cx="1278384" cy="0"/>
+          </a:xfrm>
+          <a:prstGeom prst="straightConnector1">
+            <a:avLst/>
+          </a:prstGeom>
+          <a:ln w="76200">
+            <a:solidFill>
+              <a:schemeClr val="tx1"/>
+            </a:solidFill>
+            <a:tailEnd type="triangle"/>
+          </a:ln>
+        </p:spPr>
+        <p:style>
+          <a:lnRef idx="1">
+            <a:schemeClr val="accent1"/>
+          </a:lnRef>
+          <a:fillRef idx="0">
+            <a:schemeClr val="accent1"/>
+          </a:fillRef>
+          <a:effectRef idx="0">
+            <a:schemeClr val="accent1"/>
+          </a:effectRef>
+          <a:fontRef idx="minor">
+            <a:schemeClr val="tx1"/>
+          </a:fontRef>
+        </p:style>
+      </p:cxnSp>
+      <p:cxnSp>
+        <p:nvCxnSpPr>
+          <p:cNvPr id="17" name="직선 화살표 연결선 16">
+            <a:extLst>
+              <a:ext uri="{FF2B5EF4-FFF2-40B4-BE49-F238E27FC236}">
+                <a16:creationId xmlns:a16="http://schemas.microsoft.com/office/drawing/2014/main" id="{E3370A5C-4866-428C-84ED-A21CBC7E6B92}"/>
+              </a:ext>
+            </a:extLst>
+          </p:cNvPr>
+          <p:cNvCxnSpPr/>
+          <p:nvPr/>
+        </p:nvCxnSpPr>
+        <p:spPr>
+          <a:xfrm>
+            <a:off x="7359588" y="3212669"/>
+            <a:ext cx="1278384" cy="0"/>
+          </a:xfrm>
+          <a:prstGeom prst="straightConnector1">
+            <a:avLst/>
+          </a:prstGeom>
+          <a:ln w="76200">
+            <a:solidFill>
+              <a:schemeClr val="tx1"/>
+            </a:solidFill>
+            <a:tailEnd type="triangle"/>
+          </a:ln>
+        </p:spPr>
+        <p:style>
+          <a:lnRef idx="1">
+            <a:schemeClr val="accent1"/>
+          </a:lnRef>
+          <a:fillRef idx="0">
+            <a:schemeClr val="accent1"/>
+          </a:fillRef>
+          <a:effectRef idx="0">
+            <a:schemeClr val="accent1"/>
+          </a:effectRef>
+          <a:fontRef idx="minor">
+            <a:schemeClr val="tx1"/>
+          </a:fontRef>
+        </p:style>
+      </p:cxnSp>
+      <p:sp>
+        <p:nvSpPr>
+          <p:cNvPr id="18" name="TextBox 17">
+            <a:extLst>
+              <a:ext uri="{FF2B5EF4-FFF2-40B4-BE49-F238E27FC236}">
+                <a16:creationId xmlns:a16="http://schemas.microsoft.com/office/drawing/2014/main" id="{AA175D8F-5888-41FF-898D-7C72C251E67D}"/>
+              </a:ext>
+            </a:extLst>
+          </p:cNvPr>
+          <p:cNvSpPr txBox="1"/>
+          <p:nvPr/>
+        </p:nvSpPr>
+        <p:spPr>
+          <a:xfrm>
+            <a:off x="1010516" y="1839416"/>
+            <a:ext cx="1531830" cy="646331"/>
+          </a:xfrm>
+          <a:prstGeom prst="rect">
+            <a:avLst/>
+          </a:prstGeom>
+          <a:noFill/>
+        </p:spPr>
+        <p:txBody>
+          <a:bodyPr wrap="none" rtlCol="0" anchor="ctr">
+            <a:spAutoFit/>
+          </a:bodyPr>
+          <a:lstStyle/>
+          <a:p>
+            <a:pPr algn="ctr"/>
+            <a:r>
+              <a:rPr lang="en-US" altLang="ko-KR" dirty="0">
+                <a:latin typeface="KoPub돋움체 Bold" panose="00000800000000000000" pitchFamily="2" charset="-127"/>
+                <a:ea typeface="KoPub돋움체 Bold" panose="00000800000000000000" pitchFamily="2" charset="-127"/>
+              </a:rPr>
+              <a:t>Input Signal</a:t>
+            </a:r>
+          </a:p>
+          <a:p>
+            <a:pPr algn="ctr"/>
+            <a:r>
+              <a:rPr lang="en-US" altLang="ko-KR" dirty="0">
+                <a:latin typeface="KoPub돋움체 Bold" panose="00000800000000000000" pitchFamily="2" charset="-127"/>
+                <a:ea typeface="KoPub돋움체 Bold" panose="00000800000000000000" pitchFamily="2" charset="-127"/>
+              </a:rPr>
+              <a:t>(e.g., cosine)</a:t>
+            </a:r>
+            <a:endParaRPr lang="ko-KR" altLang="en-US" dirty="0">
+              <a:latin typeface="KoPub돋움체 Bold" panose="00000800000000000000" pitchFamily="2" charset="-127"/>
+              <a:ea typeface="KoPub돋움체 Bold" panose="00000800000000000000" pitchFamily="2" charset="-127"/>
+            </a:endParaRPr>
+          </a:p>
+        </p:txBody>
+      </p:sp>
+      <mc:AlternateContent xmlns:mc="http://schemas.openxmlformats.org/markup-compatibility/2006">
+        <mc:Choice xmlns:a14="http://schemas.microsoft.com/office/drawing/2010/main" Requires="a14">
+          <p:sp>
+            <p:nvSpPr>
+              <p:cNvPr id="19" name="TextBox 18">
+                <a:extLst>
+                  <a:ext uri="{FF2B5EF4-FFF2-40B4-BE49-F238E27FC236}">
+                    <a16:creationId xmlns:a16="http://schemas.microsoft.com/office/drawing/2014/main" id="{D70A3C41-354E-48E1-B445-D7357DED753C}"/>
+                  </a:ext>
+                </a:extLst>
+              </p:cNvPr>
+              <p:cNvSpPr txBox="1"/>
+              <p:nvPr/>
+            </p:nvSpPr>
+            <p:spPr>
+              <a:xfrm>
+                <a:off x="8196946" y="1794211"/>
+                <a:ext cx="3991477" cy="736740"/>
+              </a:xfrm>
+              <a:prstGeom prst="rect">
+                <a:avLst/>
+              </a:prstGeom>
+              <a:noFill/>
+            </p:spPr>
+            <p:txBody>
+              <a:bodyPr wrap="none" rtlCol="0" anchor="ctr">
+                <a:spAutoFit/>
+              </a:bodyPr>
+              <a:lstStyle/>
+              <a:p>
+                <a:pPr algn="ctr"/>
+                <a:r>
+                  <a:rPr lang="en-US" altLang="ko-KR" dirty="0">
+                    <a:latin typeface="KoPub돋움체 Bold" panose="00000800000000000000" pitchFamily="2" charset="-127"/>
+                    <a:ea typeface="KoPub돋움체 Bold" panose="00000800000000000000" pitchFamily="2" charset="-127"/>
+                  </a:rPr>
+                  <a:t>outputs phase-shifted signal by</a:t>
+                </a:r>
+                <a:r>
+                  <a:rPr lang="ko-KR" altLang="en-US" dirty="0">
+                    <a:latin typeface="KoPub돋움체 Bold" panose="00000800000000000000" pitchFamily="2" charset="-127"/>
+                    <a:ea typeface="KoPub돋움체 Bold" panose="00000800000000000000" pitchFamily="2" charset="-127"/>
+                  </a:rPr>
+                  <a:t> </a:t>
+                </a:r>
+                <a14:m>
+                  <m:oMath xmlns:m="http://schemas.openxmlformats.org/officeDocument/2006/math">
+                    <m:r>
+                      <a:rPr lang="en-US" altLang="ko-KR" b="0" i="0" smtClean="0">
+                        <a:latin typeface="Cambria Math" panose="02040503050406030204" pitchFamily="18" charset="0"/>
+                        <a:ea typeface="KoPub돋움체 Bold" panose="00000800000000000000" pitchFamily="2" charset="-127"/>
+                      </a:rPr>
+                      <m:t>−</m:t>
+                    </m:r>
+                    <m:f>
+                      <m:fPr>
+                        <m:ctrlPr>
+                          <a:rPr lang="en-US" altLang="ko-KR" b="0" i="1" smtClean="0">
+                            <a:latin typeface="Cambria Math" panose="02040503050406030204" pitchFamily="18" charset="0"/>
+                            <a:ea typeface="KoPub돋움체 Bold" panose="00000800000000000000" pitchFamily="2" charset="-127"/>
+                          </a:rPr>
+                        </m:ctrlPr>
+                      </m:fPr>
+                      <m:num>
+                        <m:r>
+                          <m:rPr>
+                            <m:lit/>
+                          </m:rPr>
+                          <a:rPr lang="en-US" altLang="ko-KR" b="0" i="1" smtClean="0">
+                            <a:latin typeface="Cambria Math" panose="02040503050406030204" pitchFamily="18" charset="0"/>
+                            <a:ea typeface="KoPub돋움체 Bold" panose="00000800000000000000" pitchFamily="2" charset="-127"/>
+                          </a:rPr>
+                          <m:t> </m:t>
+                        </m:r>
+                        <m:r>
+                          <a:rPr lang="en-US" altLang="ko-KR" b="0" i="1" smtClean="0">
+                            <a:latin typeface="Cambria Math" panose="02040503050406030204" pitchFamily="18" charset="0"/>
+                            <a:ea typeface="KoPub돋움체 Bold" panose="00000800000000000000" pitchFamily="2" charset="-127"/>
+                          </a:rPr>
+                          <m:t>𝜋</m:t>
+                        </m:r>
+                      </m:num>
+                      <m:den>
+                        <m:r>
+                          <a:rPr lang="en-US" altLang="ko-KR" b="0" i="1" smtClean="0">
+                            <a:latin typeface="Cambria Math" panose="02040503050406030204" pitchFamily="18" charset="0"/>
+                            <a:ea typeface="KoPub돋움체 Bold" panose="00000800000000000000" pitchFamily="2" charset="-127"/>
+                          </a:rPr>
+                          <m:t>2</m:t>
+                        </m:r>
+                      </m:den>
+                    </m:f>
+                  </m:oMath>
+                </a14:m>
+                <a:r>
+                  <a:rPr lang="en-US" altLang="ko-KR" dirty="0">
+                    <a:latin typeface="KoPub돋움체 Bold" panose="00000800000000000000" pitchFamily="2" charset="-127"/>
+                    <a:ea typeface="KoPub돋움체 Bold" panose="00000800000000000000" pitchFamily="2" charset="-127"/>
+                  </a:rPr>
+                  <a:t> </a:t>
+                </a:r>
+              </a:p>
+              <a:p>
+                <a:pPr algn="ctr"/>
+                <a:r>
+                  <a:rPr lang="en-US" altLang="ko-KR" dirty="0">
+                    <a:latin typeface="KoPub돋움체 Bold" panose="00000800000000000000" pitchFamily="2" charset="-127"/>
+                    <a:ea typeface="KoPub돋움체 Bold" panose="00000800000000000000" pitchFamily="2" charset="-127"/>
+                  </a:rPr>
+                  <a:t>(e.g., sine)</a:t>
+                </a:r>
+                <a:endParaRPr lang="ko-KR" altLang="en-US" dirty="0">
+                  <a:latin typeface="KoPub돋움체 Bold" panose="00000800000000000000" pitchFamily="2" charset="-127"/>
+                  <a:ea typeface="KoPub돋움체 Bold" panose="00000800000000000000" pitchFamily="2" charset="-127"/>
+                </a:endParaRPr>
+              </a:p>
+            </p:txBody>
+          </p:sp>
+        </mc:Choice>
+        <mc:Fallback>
+          <p:sp>
+            <p:nvSpPr>
+              <p:cNvPr id="19" name="TextBox 18">
+                <a:extLst>
+                  <a:ext uri="{FF2B5EF4-FFF2-40B4-BE49-F238E27FC236}">
+                    <a16:creationId xmlns:a16="http://schemas.microsoft.com/office/drawing/2014/main" id="{D70A3C41-354E-48E1-B445-D7357DED753C}"/>
+                  </a:ext>
+                </a:extLst>
+              </p:cNvPr>
+              <p:cNvSpPr txBox="1">
+                <a:spLocks noRot="1" noChangeAspect="1" noMove="1" noResize="1" noEditPoints="1" noAdjustHandles="1" noChangeArrowheads="1" noChangeShapeType="1" noTextEdit="1"/>
+              </p:cNvSpPr>
+              <p:nvPr/>
+            </p:nvSpPr>
+            <p:spPr>
+              <a:xfrm>
+                <a:off x="8196946" y="1794211"/>
+                <a:ext cx="3991477" cy="736740"/>
+              </a:xfrm>
+              <a:prstGeom prst="rect">
+                <a:avLst/>
+              </a:prstGeom>
+              <a:blipFill>
+                <a:blip r:embed="rId4"/>
+                <a:stretch>
+                  <a:fillRect l="-917" b="-13223"/>
+                </a:stretch>
+              </a:blipFill>
+            </p:spPr>
+            <p:txBody>
+              <a:bodyPr/>
+              <a:lstStyle/>
+              <a:p>
+                <a:r>
+                  <a:rPr lang="en-US">
+                    <a:noFill/>
+                  </a:rPr>
+                  <a:t> </a:t>
+                </a:r>
+              </a:p>
+            </p:txBody>
+          </p:sp>
+        </mc:Fallback>
+      </mc:AlternateContent>
+    </p:spTree>
+    <p:extLst>
+      <p:ext uri="{BB962C8B-B14F-4D97-AF65-F5344CB8AC3E}">
+        <p14:creationId xmlns:p14="http://schemas.microsoft.com/office/powerpoint/2010/main" val="2980821241"/>
       </p:ext>
     </p:extLst>
   </p:cSld>
